--- a/Presentacion.pptx
+++ b/Presentacion.pptx
@@ -16,7 +16,6 @@
     <p:sldId id="264" r:id="rId10"/>
     <p:sldId id="265" r:id="rId11"/>
     <p:sldId id="266" r:id="rId12"/>
-    <p:sldId id="267" r:id="rId13"/>
   </p:sldIdLst>
   <p:sldSz cx="9144000" cy="6858000" type="screen4x3"/>
   <p:notesSz cx="6858000" cy="9144000"/>
@@ -570,7 +569,7 @@
             </a:ln>
             <a:extLst>
               <a:ext uri="{91240B29-F687-4f45-9708-019B960494DF}">
-                <a14:hiddenLine xmlns:a14="http://schemas.microsoft.com/office/drawing/2010/main" xmlns="" w="9525">
+                <a14:hiddenLine xmlns="" xmlns:a14="http://schemas.microsoft.com/office/drawing/2010/main" w="9525">
                   <a:solidFill>
                     <a:srgbClr val="000000"/>
                   </a:solidFill>
@@ -767,7 +766,7 @@
           <a:p>
             <a:fld id="{7A847CFC-816F-41D0-AAC0-9BF4FEBC753E}" type="datetimeFigureOut">
               <a:rPr lang="es-ES" smtClean="0"/>
-              <a:t>26/06/2019</a:t>
+              <a:t>27/06/2019</a:t>
             </a:fld>
             <a:endParaRPr lang="es-ES"/>
           </a:p>
@@ -1651,7 +1650,7 @@
             </a:ln>
             <a:extLst>
               <a:ext uri="{91240B29-F687-4f45-9708-019B960494DF}">
-                <a14:hiddenLine xmlns:a14="http://schemas.microsoft.com/office/drawing/2010/main" xmlns="" w="9525">
+                <a14:hiddenLine xmlns="" xmlns:a14="http://schemas.microsoft.com/office/drawing/2010/main" w="9525">
                   <a:solidFill>
                     <a:srgbClr val="000000"/>
                   </a:solidFill>
@@ -1868,7 +1867,7 @@
           <a:p>
             <a:fld id="{7A847CFC-816F-41D0-AAC0-9BF4FEBC753E}" type="datetimeFigureOut">
               <a:rPr lang="es-ES" smtClean="0"/>
-              <a:t>26/06/2019</a:t>
+              <a:t>27/06/2019</a:t>
             </a:fld>
             <a:endParaRPr lang="es-ES"/>
           </a:p>
@@ -2737,7 +2736,7 @@
             </a:ln>
             <a:extLst>
               <a:ext uri="{91240B29-F687-4f45-9708-019B960494DF}">
-                <a14:hiddenLine xmlns:a14="http://schemas.microsoft.com/office/drawing/2010/main" xmlns="" w="9525">
+                <a14:hiddenLine xmlns="" xmlns:a14="http://schemas.microsoft.com/office/drawing/2010/main" w="9525">
                   <a:solidFill>
                     <a:srgbClr val="000000"/>
                   </a:solidFill>
@@ -2866,7 +2865,7 @@
           <a:p>
             <a:fld id="{7A847CFC-816F-41D0-AAC0-9BF4FEBC753E}" type="datetimeFigureOut">
               <a:rPr lang="es-ES" smtClean="0"/>
-              <a:t>26/06/2019</a:t>
+              <a:t>27/06/2019</a:t>
             </a:fld>
             <a:endParaRPr lang="es-ES"/>
           </a:p>
@@ -3698,7 +3697,7 @@
             </a:ln>
             <a:extLst>
               <a:ext uri="{91240B29-F687-4f45-9708-019B960494DF}">
-                <a14:hiddenLine xmlns:a14="http://schemas.microsoft.com/office/drawing/2010/main" xmlns="" w="9525">
+                <a14:hiddenLine xmlns="" xmlns:a14="http://schemas.microsoft.com/office/drawing/2010/main" w="9525">
                   <a:solidFill>
                     <a:srgbClr val="000000"/>
                   </a:solidFill>
@@ -3981,7 +3980,7 @@
           <a:p>
             <a:fld id="{7A847CFC-816F-41D0-AAC0-9BF4FEBC753E}" type="datetimeFigureOut">
               <a:rPr lang="es-ES" smtClean="0"/>
-              <a:t>26/06/2019</a:t>
+              <a:t>27/06/2019</a:t>
             </a:fld>
             <a:endParaRPr lang="es-ES"/>
           </a:p>
@@ -4813,7 +4812,7 @@
             </a:ln>
             <a:extLst>
               <a:ext uri="{91240B29-F687-4f45-9708-019B960494DF}">
-                <a14:hiddenLine xmlns:a14="http://schemas.microsoft.com/office/drawing/2010/main" xmlns="" w="9525">
+                <a14:hiddenLine xmlns="" xmlns:a14="http://schemas.microsoft.com/office/drawing/2010/main" w="9525">
                   <a:solidFill>
                     <a:srgbClr val="000000"/>
                   </a:solidFill>
@@ -4995,7 +4994,7 @@
           <a:p>
             <a:fld id="{7A847CFC-816F-41D0-AAC0-9BF4FEBC753E}" type="datetimeFigureOut">
               <a:rPr lang="es-ES" smtClean="0"/>
-              <a:t>26/06/2019</a:t>
+              <a:t>27/06/2019</a:t>
             </a:fld>
             <a:endParaRPr lang="es-ES"/>
           </a:p>
@@ -5667,7 +5666,7 @@
           <a:p>
             <a:fld id="{7A847CFC-816F-41D0-AAC0-9BF4FEBC753E}" type="datetimeFigureOut">
               <a:rPr lang="es-ES" smtClean="0"/>
-              <a:t>26/06/2019</a:t>
+              <a:t>27/06/2019</a:t>
             </a:fld>
             <a:endParaRPr lang="es-ES"/>
           </a:p>
@@ -6540,7 +6539,7 @@
           <a:p>
             <a:fld id="{7A847CFC-816F-41D0-AAC0-9BF4FEBC753E}" type="datetimeFigureOut">
               <a:rPr lang="es-ES" smtClean="0"/>
-              <a:t>26/06/2019</a:t>
+              <a:t>27/06/2019</a:t>
             </a:fld>
             <a:endParaRPr lang="es-ES"/>
           </a:p>
@@ -6727,7 +6726,7 @@
           <a:p>
             <a:fld id="{7A847CFC-816F-41D0-AAC0-9BF4FEBC753E}" type="datetimeFigureOut">
               <a:rPr lang="es-ES" smtClean="0"/>
-              <a:t>26/06/2019</a:t>
+              <a:t>27/06/2019</a:t>
             </a:fld>
             <a:endParaRPr lang="es-ES"/>
           </a:p>
@@ -7562,7 +7561,7 @@
           </a:ln>
           <a:extLst>
             <a:ext uri="{91240B29-F687-4f45-9708-019B960494DF}">
-              <a14:hiddenLine xmlns:a14="http://schemas.microsoft.com/office/drawing/2010/main" xmlns="" w="9525">
+              <a14:hiddenLine xmlns="" xmlns:a14="http://schemas.microsoft.com/office/drawing/2010/main" w="9525">
                 <a:solidFill>
                   <a:srgbClr val="000000"/>
                 </a:solidFill>
@@ -7676,7 +7675,7 @@
           <a:p>
             <a:fld id="{7A847CFC-816F-41D0-AAC0-9BF4FEBC753E}" type="datetimeFigureOut">
               <a:rPr lang="es-ES" smtClean="0"/>
-              <a:t>26/06/2019</a:t>
+              <a:t>27/06/2019</a:t>
             </a:fld>
             <a:endParaRPr lang="es-ES"/>
           </a:p>
@@ -7908,7 +7907,7 @@
           <a:p>
             <a:fld id="{7A847CFC-816F-41D0-AAC0-9BF4FEBC753E}" type="datetimeFigureOut">
               <a:rPr lang="es-ES" smtClean="0"/>
-              <a:t>26/06/2019</a:t>
+              <a:t>27/06/2019</a:t>
             </a:fld>
             <a:endParaRPr lang="es-ES"/>
           </a:p>
@@ -8737,7 +8736,7 @@
             </a:ln>
             <a:extLst>
               <a:ext uri="{91240B29-F687-4f45-9708-019B960494DF}">
-                <a14:hiddenLine xmlns:a14="http://schemas.microsoft.com/office/drawing/2010/main" xmlns="" w="9525">
+                <a14:hiddenLine xmlns="" xmlns:a14="http://schemas.microsoft.com/office/drawing/2010/main" w="9525">
                   <a:solidFill>
                     <a:srgbClr val="000000"/>
                   </a:solidFill>
@@ -8919,7 +8918,7 @@
           <a:p>
             <a:fld id="{7A847CFC-816F-41D0-AAC0-9BF4FEBC753E}" type="datetimeFigureOut">
               <a:rPr lang="es-ES" smtClean="0"/>
-              <a:t>26/06/2019</a:t>
+              <a:t>27/06/2019</a:t>
             </a:fld>
             <a:endParaRPr lang="es-ES"/>
           </a:p>
@@ -9203,7 +9202,7 @@
           <a:p>
             <a:fld id="{7A847CFC-816F-41D0-AAC0-9BF4FEBC753E}" type="datetimeFigureOut">
               <a:rPr lang="es-ES" smtClean="0"/>
-              <a:t>26/06/2019</a:t>
+              <a:t>27/06/2019</a:t>
             </a:fld>
             <a:endParaRPr lang="es-ES"/>
           </a:p>
@@ -9603,7 +9602,7 @@
           <a:p>
             <a:fld id="{7A847CFC-816F-41D0-AAC0-9BF4FEBC753E}" type="datetimeFigureOut">
               <a:rPr lang="es-ES" smtClean="0"/>
-              <a:t>26/06/2019</a:t>
+              <a:t>27/06/2019</a:t>
             </a:fld>
             <a:endParaRPr lang="es-ES"/>
           </a:p>
@@ -9733,7 +9732,7 @@
           <a:p>
             <a:fld id="{7A847CFC-816F-41D0-AAC0-9BF4FEBC753E}" type="datetimeFigureOut">
               <a:rPr lang="es-ES" smtClean="0"/>
-              <a:t>26/06/2019</a:t>
+              <a:t>27/06/2019</a:t>
             </a:fld>
             <a:endParaRPr lang="es-ES"/>
           </a:p>
@@ -9876,7 +9875,7 @@
           <a:p>
             <a:fld id="{7A847CFC-816F-41D0-AAC0-9BF4FEBC753E}" type="datetimeFigureOut">
               <a:rPr lang="es-ES" smtClean="0"/>
-              <a:t>26/06/2019</a:t>
+              <a:t>27/06/2019</a:t>
             </a:fld>
             <a:endParaRPr lang="es-ES"/>
           </a:p>
@@ -10705,7 +10704,7 @@
             </a:ln>
             <a:extLst>
               <a:ext uri="{91240B29-F687-4f45-9708-019B960494DF}">
-                <a14:hiddenLine xmlns:a14="http://schemas.microsoft.com/office/drawing/2010/main" xmlns="" w="9525">
+                <a14:hiddenLine xmlns="" xmlns:a14="http://schemas.microsoft.com/office/drawing/2010/main" w="9525">
                   <a:solidFill>
                     <a:srgbClr val="000000"/>
                   </a:solidFill>
@@ -10898,7 +10897,7 @@
           <a:p>
             <a:fld id="{7A847CFC-816F-41D0-AAC0-9BF4FEBC753E}" type="datetimeFigureOut">
               <a:rPr lang="es-ES" smtClean="0"/>
-              <a:t>26/06/2019</a:t>
+              <a:t>27/06/2019</a:t>
             </a:fld>
             <a:endParaRPr lang="es-ES"/>
           </a:p>
@@ -11763,7 +11762,7 @@
             </a:ln>
             <a:extLst>
               <a:ext uri="{91240B29-F687-4f45-9708-019B960494DF}">
-                <a14:hiddenLine xmlns:a14="http://schemas.microsoft.com/office/drawing/2010/main" xmlns="" w="9525">
+                <a14:hiddenLine xmlns="" xmlns:a14="http://schemas.microsoft.com/office/drawing/2010/main" w="9525">
                   <a:solidFill>
                     <a:srgbClr val="000000"/>
                   </a:solidFill>
@@ -11980,7 +11979,7 @@
           <a:p>
             <a:fld id="{7A847CFC-816F-41D0-AAC0-9BF4FEBC753E}" type="datetimeFigureOut">
               <a:rPr lang="es-ES" smtClean="0"/>
-              <a:t>26/06/2019</a:t>
+              <a:t>27/06/2019</a:t>
             </a:fld>
             <a:endParaRPr lang="es-ES"/>
           </a:p>
@@ -12813,7 +12812,7 @@
             </a:ln>
             <a:extLst>
               <a:ext uri="{91240B29-F687-4f45-9708-019B960494DF}">
-                <a14:hiddenLine xmlns:a14="http://schemas.microsoft.com/office/drawing/2010/main" xmlns="" w="9525">
+                <a14:hiddenLine xmlns="" xmlns:a14="http://schemas.microsoft.com/office/drawing/2010/main" w="9525">
                   <a:solidFill>
                     <a:srgbClr val="000000"/>
                   </a:solidFill>
@@ -12954,7 +12953,7 @@
           <a:p>
             <a:fld id="{7A847CFC-816F-41D0-AAC0-9BF4FEBC753E}" type="datetimeFigureOut">
               <a:rPr lang="es-ES" smtClean="0"/>
-              <a:t>26/06/2019</a:t>
+              <a:t>27/06/2019</a:t>
             </a:fld>
             <a:endParaRPr lang="es-ES"/>
           </a:p>
@@ -13920,7 +13919,7 @@
         </p:spPr>
         <p:txBody>
           <a:bodyPr>
-            <a:normAutofit lnSpcReduction="10000"/>
+            <a:normAutofit/>
           </a:bodyPr>
           <a:lstStyle/>
           <a:p>
@@ -13934,7 +13933,7 @@
               <a:buNone/>
             </a:pPr>
             <a:r>
-              <a:rPr lang="es-ES" sz="1100" dirty="0"/>
+              <a:rPr lang="es-ES" sz="1600" dirty="0"/>
               <a:t>[3  1  3  2  6  4]</a:t>
             </a:r>
           </a:p>
@@ -13943,7 +13942,7 @@
               <a:buNone/>
             </a:pPr>
             <a:r>
-              <a:rPr lang="es-ES" sz="1100" dirty="0"/>
+              <a:rPr lang="es-ES" sz="1600" dirty="0"/>
               <a:t>[1  2  6  3  3  5]</a:t>
             </a:r>
           </a:p>
@@ -13952,7 +13951,7 @@
               <a:buNone/>
             </a:pPr>
             <a:r>
-              <a:rPr lang="es-ES" sz="1100" dirty="0"/>
+              <a:rPr lang="es-ES" sz="1600" dirty="0"/>
               <a:t>[3  1  1  5  4  1]</a:t>
             </a:r>
           </a:p>
@@ -13961,7 +13960,7 @@
               <a:buNone/>
             </a:pPr>
             <a:r>
-              <a:rPr lang="es-ES" sz="1100" dirty="0"/>
+              <a:rPr lang="es-ES" sz="1600" dirty="0"/>
               <a:t>[3  4  2  6  3  3]</a:t>
             </a:r>
           </a:p>
@@ -13970,7 +13969,7 @@
               <a:buNone/>
             </a:pPr>
             <a:r>
-              <a:rPr lang="es-ES" sz="1100" dirty="0"/>
+              <a:rPr lang="es-ES" sz="1600" dirty="0"/>
               <a:t>[2  6  3  1  5  4]</a:t>
             </a:r>
           </a:p>
@@ -13979,7 +13978,7 @@
               <a:buNone/>
             </a:pPr>
             <a:r>
-              <a:rPr lang="es-ES" sz="1100" dirty="0"/>
+              <a:rPr lang="es-ES" sz="1600" dirty="0"/>
               <a:t>[2  5  3  1  2  4]</a:t>
             </a:r>
           </a:p>
@@ -13992,62 +13991,68 @@
               <a:t>	Resultados:</a:t>
             </a:r>
           </a:p>
-          <a:p>
-            <a:pPr marL="0" indent="0" algn="ctr">
-              <a:buNone/>
-            </a:pPr>
-            <a:r>
-              <a:rPr lang="es-ES" sz="1100" dirty="0"/>
-              <a:t>[0  1  0  2  6  0]</a:t>
-            </a:r>
-          </a:p>
-          <a:p>
-            <a:pPr marL="0" indent="0" algn="ctr">
-              <a:buNone/>
-            </a:pPr>
-            <a:r>
-              <a:rPr lang="es-ES" sz="1100" dirty="0"/>
-              <a:t>[1  2  6  0  3  5]</a:t>
-            </a:r>
-          </a:p>
-          <a:p>
-            <a:pPr marL="0" indent="0" algn="ctr">
-              <a:buNone/>
-            </a:pPr>
-            <a:r>
-              <a:rPr lang="es-ES" sz="1100" dirty="0"/>
-              <a:t>[3  0  1  5  4  0]</a:t>
-            </a:r>
-          </a:p>
-          <a:p>
-            <a:pPr marL="0" indent="0" algn="ctr">
-              <a:buNone/>
-            </a:pPr>
-            <a:r>
-              <a:rPr lang="es-ES" sz="1100" dirty="0"/>
-              <a:t>[0  4  2  6  0  3]</a:t>
-            </a:r>
-          </a:p>
-          <a:p>
-            <a:pPr marL="0" indent="0" algn="ctr">
-              <a:buNone/>
-            </a:pPr>
-            <a:r>
-              <a:rPr lang="es-ES" sz="1100" dirty="0"/>
-              <a:t>[2  6  0  1  5  4]</a:t>
-            </a:r>
-          </a:p>
-          <a:p>
-            <a:pPr marL="0" indent="0" algn="ctr">
-              <a:buNone/>
-            </a:pPr>
-            <a:r>
-              <a:rPr lang="es-ES" sz="1100" dirty="0"/>
-              <a:t>[0  5  3  0  2  0]</a:t>
-            </a:r>
-          </a:p>
         </p:txBody>
       </p:sp>
+      <p:pic>
+        <p:nvPicPr>
+          <p:cNvPr id="1026" name="Picture 2">
+            <a:extLst>
+              <a:ext uri="{FF2B5EF4-FFF2-40B4-BE49-F238E27FC236}">
+                <a16:creationId xmlns:a16="http://schemas.microsoft.com/office/drawing/2014/main" id="{79E7FE1A-28F6-4408-8207-DD4BD3C2EA3E}"/>
+              </a:ext>
+            </a:extLst>
+          </p:cNvPr>
+          <p:cNvPicPr>
+            <a:picLocks noChangeAspect="1" noChangeArrowheads="1"/>
+          </p:cNvPicPr>
+          <p:nvPr/>
+        </p:nvPicPr>
+        <p:blipFill>
+          <a:blip r:embed="rId2">
+            <a:extLst>
+              <a:ext uri="{28A0092B-C50C-407E-A947-70E740481C1C}">
+                <a14:useLocalDpi xmlns:a14="http://schemas.microsoft.com/office/drawing/2010/main" val="0"/>
+              </a:ext>
+            </a:extLst>
+          </a:blip>
+          <a:srcRect/>
+          <a:stretch>
+            <a:fillRect/>
+          </a:stretch>
+        </p:blipFill>
+        <p:spPr bwMode="auto">
+          <a:xfrm>
+            <a:off x="1725942" y="5697870"/>
+            <a:ext cx="5692116" cy="233032"/>
+          </a:xfrm>
+          <a:prstGeom prst="rect">
+            <a:avLst/>
+          </a:prstGeom>
+          <a:noFill/>
+          <a:ln>
+            <a:noFill/>
+          </a:ln>
+          <a:extLst>
+            <a:ext uri="{909E8E84-426E-40DD-AFC4-6F175D3DCCD1}">
+              <a14:hiddenFill xmlns:a14="http://schemas.microsoft.com/office/drawing/2010/main">
+                <a:solidFill>
+                  <a:srgbClr val="FFFFFF"/>
+                </a:solidFill>
+              </a14:hiddenFill>
+            </a:ext>
+            <a:ext uri="{91240B29-F687-4F45-9708-019B960494DF}">
+              <a14:hiddenLine xmlns:a14="http://schemas.microsoft.com/office/drawing/2010/main" w="9525">
+                <a:solidFill>
+                  <a:srgbClr val="000000"/>
+                </a:solidFill>
+                <a:miter lim="800000"/>
+                <a:headEnd/>
+                <a:tailEnd/>
+              </a14:hiddenLine>
+            </a:ext>
+          </a:extLst>
+        </p:spPr>
+      </p:pic>
     </p:spTree>
     <p:extLst>
       <p:ext uri="{BB962C8B-B14F-4D97-AF65-F5344CB8AC3E}">
@@ -14124,7 +14129,7 @@
         </p:nvSpPr>
         <p:spPr>
           <a:xfrm>
-            <a:off x="864382" y="2780928"/>
+            <a:off x="865970" y="2042470"/>
             <a:ext cx="6345260" cy="3888432"/>
           </a:xfrm>
         </p:spPr>
@@ -14144,7 +14149,7 @@
               <a:buNone/>
             </a:pPr>
             <a:r>
-              <a:rPr lang="es-ES" sz="1700" dirty="0"/>
+              <a:rPr lang="es-ES" sz="1400" dirty="0"/>
               <a:t>[7  7  5  6  6  2  1  4  2]</a:t>
             </a:r>
           </a:p>
@@ -14153,7 +14158,7 @@
               <a:buNone/>
             </a:pPr>
             <a:r>
-              <a:rPr lang="es-ES" sz="1700" dirty="0"/>
+              <a:rPr lang="es-ES" sz="1400" dirty="0"/>
               <a:t>[1  4  9  3  8  4  5  3  2]</a:t>
             </a:r>
           </a:p>
@@ -14162,7 +14167,7 @@
               <a:buNone/>
             </a:pPr>
             <a:r>
-              <a:rPr lang="es-ES" sz="1700" dirty="0"/>
+              <a:rPr lang="es-ES" sz="1400" dirty="0"/>
               <a:t>[2  7  1  4  6  7  3  9  8]</a:t>
             </a:r>
           </a:p>
@@ -14171,7 +14176,7 @@
               <a:buNone/>
             </a:pPr>
             <a:r>
-              <a:rPr lang="es-ES" sz="1700" dirty="0"/>
+              <a:rPr lang="es-ES" sz="1400" dirty="0"/>
               <a:t>[6  8  7  4  6  5  9  5  1]</a:t>
             </a:r>
           </a:p>
@@ -14180,7 +14185,7 @@
               <a:buNone/>
             </a:pPr>
             <a:r>
-              <a:rPr lang="es-ES" sz="1700" dirty="0"/>
+              <a:rPr lang="es-ES" sz="1400" dirty="0"/>
               <a:t>[4  6  5  8  7  9  8  5  3]</a:t>
             </a:r>
           </a:p>
@@ -14189,7 +14194,7 @@
               <a:buNone/>
             </a:pPr>
             <a:r>
-              <a:rPr lang="es-ES" sz="1700" dirty="0"/>
+              <a:rPr lang="es-ES" sz="1400" dirty="0"/>
               <a:t>[6  7  5  8  2  3  4  8  9]</a:t>
             </a:r>
           </a:p>
@@ -14198,7 +14203,7 @@
               <a:buNone/>
             </a:pPr>
             <a:r>
-              <a:rPr lang="es-ES" sz="1700" dirty="0"/>
+              <a:rPr lang="es-ES" sz="1400" dirty="0"/>
               <a:t>[2  3  4  9  1  5  7  2  2]</a:t>
             </a:r>
           </a:p>
@@ -14207,7 +14212,7 @@
               <a:buNone/>
             </a:pPr>
             <a:r>
-              <a:rPr lang="es-ES" sz="1700" dirty="0"/>
+              <a:rPr lang="es-ES" sz="1400" dirty="0"/>
               <a:t>[9  2  3  5  4  1  6  8  5]</a:t>
             </a:r>
           </a:p>
@@ -14216,185 +14221,85 @@
               <a:buNone/>
             </a:pPr>
             <a:r>
-              <a:rPr lang="es-ES" sz="1700" dirty="0"/>
+              <a:rPr lang="es-ES" sz="1400" dirty="0"/>
               <a:t>[7  1  5  7  9  8  1  3  3]</a:t>
             </a:r>
           </a:p>
+          <a:p>
+            <a:pPr marL="0" indent="0">
+              <a:buNone/>
+            </a:pPr>
+            <a:r>
+              <a:rPr lang="es-ES" sz="1400" dirty="0"/>
+              <a:t>	Resultado:</a:t>
+            </a:r>
+          </a:p>
         </p:txBody>
       </p:sp>
+      <p:pic>
+        <p:nvPicPr>
+          <p:cNvPr id="2050" name="Picture 2">
+            <a:extLst>
+              <a:ext uri="{FF2B5EF4-FFF2-40B4-BE49-F238E27FC236}">
+                <a16:creationId xmlns:a16="http://schemas.microsoft.com/office/drawing/2014/main" id="{D53864D6-E1CC-475D-AA16-4C4CBFE04B27}"/>
+              </a:ext>
+            </a:extLst>
+          </p:cNvPr>
+          <p:cNvPicPr>
+            <a:picLocks noChangeAspect="1" noChangeArrowheads="1"/>
+          </p:cNvPicPr>
+          <p:nvPr/>
+        </p:nvPicPr>
+        <p:blipFill>
+          <a:blip r:embed="rId2">
+            <a:extLst>
+              <a:ext uri="{28A0092B-C50C-407E-A947-70E740481C1C}">
+                <a14:useLocalDpi xmlns:a14="http://schemas.microsoft.com/office/drawing/2010/main" val="0"/>
+              </a:ext>
+            </a:extLst>
+          </a:blip>
+          <a:srcRect/>
+          <a:stretch>
+            <a:fillRect/>
+          </a:stretch>
+        </p:blipFill>
+        <p:spPr bwMode="auto">
+          <a:xfrm>
+            <a:off x="1954249" y="5930902"/>
+            <a:ext cx="5235501" cy="295177"/>
+          </a:xfrm>
+          <a:prstGeom prst="rect">
+            <a:avLst/>
+          </a:prstGeom>
+          <a:noFill/>
+          <a:ln>
+            <a:noFill/>
+          </a:ln>
+          <a:extLst>
+            <a:ext uri="{909E8E84-426E-40DD-AFC4-6F175D3DCCD1}">
+              <a14:hiddenFill xmlns:a14="http://schemas.microsoft.com/office/drawing/2010/main">
+                <a:solidFill>
+                  <a:srgbClr val="FFFFFF"/>
+                </a:solidFill>
+              </a14:hiddenFill>
+            </a:ext>
+            <a:ext uri="{91240B29-F687-4F45-9708-019B960494DF}">
+              <a14:hiddenLine xmlns:a14="http://schemas.microsoft.com/office/drawing/2010/main" w="9525">
+                <a:solidFill>
+                  <a:srgbClr val="000000"/>
+                </a:solidFill>
+                <a:miter lim="800000"/>
+                <a:headEnd/>
+                <a:tailEnd/>
+              </a14:hiddenLine>
+            </a:ext>
+          </a:extLst>
+        </p:spPr>
+      </p:pic>
     </p:spTree>
     <p:extLst>
       <p:ext uri="{BB962C8B-B14F-4D97-AF65-F5344CB8AC3E}">
         <p14:creationId xmlns:p14="http://schemas.microsoft.com/office/powerpoint/2010/main" val="751433622"/>
-      </p:ext>
-    </p:extLst>
-  </p:cSld>
-  <p:clrMapOvr>
-    <a:masterClrMapping/>
-  </p:clrMapOvr>
-</p:sld>
-</file>
-
-<file path=ppt/slides/slide12.xml><?xml version="1.0" encoding="utf-8"?>
-<p:sld xmlns:a="http://schemas.openxmlformats.org/drawingml/2006/main" xmlns:r="http://schemas.openxmlformats.org/officeDocument/2006/relationships" xmlns:p="http://schemas.openxmlformats.org/presentationml/2006/main">
-  <p:cSld>
-    <p:spTree>
-      <p:nvGrpSpPr>
-        <p:cNvPr id="1" name=""/>
-        <p:cNvGrpSpPr/>
-        <p:nvPr/>
-      </p:nvGrpSpPr>
-      <p:grpSpPr>
-        <a:xfrm>
-          <a:off x="0" y="0"/>
-          <a:ext cx="0" cy="0"/>
-          <a:chOff x="0" y="0"/>
-          <a:chExt cx="0" cy="0"/>
-        </a:xfrm>
-      </p:grpSpPr>
-      <p:sp>
-        <p:nvSpPr>
-          <p:cNvPr id="2" name="Título 1">
-            <a:extLst>
-              <a:ext uri="{FF2B5EF4-FFF2-40B4-BE49-F238E27FC236}">
-                <a16:creationId xmlns:a16="http://schemas.microsoft.com/office/drawing/2014/main" id="{F4AB17ED-7717-4DE4-A3A8-1A190B74C2ED}"/>
-              </a:ext>
-            </a:extLst>
-          </p:cNvPr>
-          <p:cNvSpPr>
-            <a:spLocks noGrp="1"/>
-          </p:cNvSpPr>
-          <p:nvPr>
-            <p:ph type="title"/>
-          </p:nvPr>
-        </p:nvSpPr>
-        <p:spPr/>
-        <p:txBody>
-          <a:bodyPr/>
-          <a:lstStyle/>
-          <a:p>
-            <a:endParaRPr lang="es-ES"/>
-          </a:p>
-        </p:txBody>
-      </p:sp>
-      <p:sp>
-        <p:nvSpPr>
-          <p:cNvPr id="3" name="Marcador de contenido 2">
-            <a:extLst>
-              <a:ext uri="{FF2B5EF4-FFF2-40B4-BE49-F238E27FC236}">
-                <a16:creationId xmlns:a16="http://schemas.microsoft.com/office/drawing/2014/main" id="{78E237D2-1695-41A0-B6B9-E3D027F6A52D}"/>
-              </a:ext>
-            </a:extLst>
-          </p:cNvPr>
-          <p:cNvSpPr>
-            <a:spLocks noGrp="1"/>
-          </p:cNvSpPr>
-          <p:nvPr>
-            <p:ph idx="1"/>
-          </p:nvPr>
-        </p:nvSpPr>
-        <p:spPr/>
-        <p:txBody>
-          <a:bodyPr>
-            <a:normAutofit fontScale="92500" lnSpcReduction="20000"/>
-          </a:bodyPr>
-          <a:lstStyle/>
-          <a:p>
-            <a:pPr marL="0" indent="0">
-              <a:buNone/>
-            </a:pPr>
-            <a:r>
-              <a:rPr lang="es-ES" dirty="0"/>
-              <a:t>	Resultado:</a:t>
-            </a:r>
-          </a:p>
-          <a:p>
-            <a:pPr marL="0" indent="0" algn="ctr">
-              <a:buNone/>
-            </a:pPr>
-            <a:r>
-              <a:rPr lang="es-ES" dirty="0"/>
-              <a:t>[0  7  0  6  0  2  1  4  0]</a:t>
-            </a:r>
-          </a:p>
-          <a:p>
-            <a:pPr marL="0" indent="0" algn="ctr">
-              <a:buNone/>
-            </a:pPr>
-            <a:r>
-              <a:rPr lang="es-ES" dirty="0"/>
-              <a:t>[1  4  9  3  8  0  5  0  2]</a:t>
-            </a:r>
-          </a:p>
-          <a:p>
-            <a:pPr marL="0" indent="0" algn="ctr">
-              <a:buNone/>
-            </a:pPr>
-            <a:r>
-              <a:rPr lang="es-ES" dirty="0"/>
-              <a:t>[2  0  1  0  6  7  3  9  8]</a:t>
-            </a:r>
-          </a:p>
-          <a:p>
-            <a:pPr marL="0" indent="0" algn="ctr">
-              <a:buNone/>
-            </a:pPr>
-            <a:r>
-              <a:rPr lang="es-ES" dirty="0"/>
-              <a:t>[0  8  7  4  0  5  9  0  1]</a:t>
-            </a:r>
-          </a:p>
-          <a:p>
-            <a:pPr marL="0" indent="0" algn="ctr">
-              <a:buNone/>
-            </a:pPr>
-            <a:r>
-              <a:rPr lang="es-ES" dirty="0"/>
-              <a:t>[4  6  0  8  7  9  0  5  3]</a:t>
-            </a:r>
-          </a:p>
-          <a:p>
-            <a:pPr marL="0" indent="0" algn="ctr">
-              <a:buNone/>
-            </a:pPr>
-            <a:r>
-              <a:rPr lang="es-ES" dirty="0"/>
-              <a:t>[6  0  5  0  2  3  4  0  9]</a:t>
-            </a:r>
-          </a:p>
-          <a:p>
-            <a:pPr marL="0" indent="0" algn="ctr">
-              <a:buNone/>
-            </a:pPr>
-            <a:r>
-              <a:rPr lang="es-ES" dirty="0"/>
-              <a:t>[0  3  4  9  1  0  7  2  0]</a:t>
-            </a:r>
-          </a:p>
-          <a:p>
-            <a:pPr marL="0" indent="0" algn="ctr">
-              <a:buNone/>
-            </a:pPr>
-            <a:r>
-              <a:rPr lang="es-ES" dirty="0"/>
-              <a:t>[9  2  3  0  4  1  6  8  5]</a:t>
-            </a:r>
-          </a:p>
-          <a:p>
-            <a:pPr marL="0" indent="0" algn="ctr">
-              <a:buNone/>
-            </a:pPr>
-            <a:r>
-              <a:rPr lang="es-ES" dirty="0"/>
-              <a:t>[0  1  0  7  9  8  0  3  0]</a:t>
-            </a:r>
-          </a:p>
-        </p:txBody>
-      </p:sp>
-    </p:spTree>
-    <p:extLst>
-      <p:ext uri="{BB962C8B-B14F-4D97-AF65-F5344CB8AC3E}">
-        <p14:creationId xmlns:p14="http://schemas.microsoft.com/office/powerpoint/2010/main" val="3833003745"/>
       </p:ext>
     </p:extLst>
   </p:cSld>
@@ -14993,7 +14898,7 @@
               <a:buNone/>
             </a:pPr>
             <a:r>
-              <a:rPr lang="es-ES" dirty="0"/>
+              <a:rPr lang="es-ES" sz="2000" dirty="0"/>
               <a:t>[1  2  1]</a:t>
             </a:r>
           </a:p>
@@ -15002,7 +14907,7 @@
               <a:buNone/>
             </a:pPr>
             <a:r>
-              <a:rPr lang="es-ES" dirty="0"/>
+              <a:rPr lang="es-ES" sz="2000" dirty="0"/>
               <a:t>[2  2  1]</a:t>
             </a:r>
           </a:p>
@@ -15011,7 +14916,7 @@
               <a:buNone/>
             </a:pPr>
             <a:r>
-              <a:rPr lang="es-ES" dirty="0"/>
+              <a:rPr lang="es-ES" sz="2000" dirty="0"/>
               <a:t>[3  1  2]</a:t>
             </a:r>
           </a:p>
@@ -15025,34 +14930,73 @@
             </a:r>
           </a:p>
           <a:p>
-            <a:pPr marL="0" indent="0" algn="ctr">
+            <a:pPr marL="0" indent="0">
               <a:buNone/>
             </a:pPr>
-            <a:r>
-              <a:rPr lang="es-ES" dirty="0"/>
-              <a:t>[1  2  0]</a:t>
-            </a:r>
-          </a:p>
-          <a:p>
-            <a:pPr marL="0" indent="0" algn="ctr">
-              <a:buNone/>
-            </a:pPr>
-            <a:r>
-              <a:rPr lang="es-ES" dirty="0"/>
-              <a:t>[2  0  1]</a:t>
-            </a:r>
-          </a:p>
-          <a:p>
-            <a:pPr marL="0" indent="0" algn="ctr">
-              <a:buNone/>
-            </a:pPr>
-            <a:r>
-              <a:rPr lang="es-ES" dirty="0"/>
-              <a:t>[3  1  2]</a:t>
-            </a:r>
+            <a:endParaRPr lang="es-ES" dirty="0"/>
           </a:p>
         </p:txBody>
       </p:sp>
+      <p:pic>
+        <p:nvPicPr>
+          <p:cNvPr id="5122" name="Picture 2">
+            <a:extLst>
+              <a:ext uri="{FF2B5EF4-FFF2-40B4-BE49-F238E27FC236}">
+                <a16:creationId xmlns:a16="http://schemas.microsoft.com/office/drawing/2014/main" id="{291E65BD-4592-4F12-AF62-AB7674376907}"/>
+              </a:ext>
+            </a:extLst>
+          </p:cNvPr>
+          <p:cNvPicPr>
+            <a:picLocks noChangeAspect="1" noChangeArrowheads="1"/>
+          </p:cNvPicPr>
+          <p:nvPr/>
+        </p:nvPicPr>
+        <p:blipFill>
+          <a:blip r:embed="rId2">
+            <a:extLst>
+              <a:ext uri="{28A0092B-C50C-407E-A947-70E740481C1C}">
+                <a14:useLocalDpi xmlns:a14="http://schemas.microsoft.com/office/drawing/2010/main" val="0"/>
+              </a:ext>
+            </a:extLst>
+          </a:blip>
+          <a:srcRect/>
+          <a:stretch>
+            <a:fillRect/>
+          </a:stretch>
+        </p:blipFill>
+        <p:spPr bwMode="auto">
+          <a:xfrm>
+            <a:off x="1400164" y="4797152"/>
+            <a:ext cx="6343672" cy="395303"/>
+          </a:xfrm>
+          <a:prstGeom prst="rect">
+            <a:avLst/>
+          </a:prstGeom>
+          <a:noFill/>
+          <a:ln>
+            <a:noFill/>
+          </a:ln>
+          <a:extLst>
+            <a:ext uri="{909E8E84-426E-40DD-AFC4-6F175D3DCCD1}">
+              <a14:hiddenFill xmlns:a14="http://schemas.microsoft.com/office/drawing/2010/main">
+                <a:solidFill>
+                  <a:srgbClr val="FFFFFF"/>
+                </a:solidFill>
+              </a14:hiddenFill>
+            </a:ext>
+            <a:ext uri="{91240B29-F687-4F45-9708-019B960494DF}">
+              <a14:hiddenLine xmlns:a14="http://schemas.microsoft.com/office/drawing/2010/main" w="9525">
+                <a:solidFill>
+                  <a:srgbClr val="000000"/>
+                </a:solidFill>
+                <a:miter lim="800000"/>
+                <a:headEnd/>
+                <a:tailEnd/>
+              </a14:hiddenLine>
+            </a:ext>
+          </a:extLst>
+        </p:spPr>
+      </p:pic>
     </p:spTree>
     <p:extLst>
       <p:ext uri="{BB962C8B-B14F-4D97-AF65-F5344CB8AC3E}">
@@ -15135,7 +15079,7 @@
         </p:spPr>
         <p:txBody>
           <a:bodyPr>
-            <a:normAutofit lnSpcReduction="10000"/>
+            <a:normAutofit/>
           </a:bodyPr>
           <a:lstStyle/>
           <a:p>
@@ -15149,7 +15093,7 @@
               <a:buNone/>
             </a:pPr>
             <a:r>
-              <a:rPr lang="es-ES" sz="1600" dirty="0"/>
+              <a:rPr lang="es-ES" sz="2000" dirty="0"/>
               <a:t>[1  4  4  2]</a:t>
             </a:r>
           </a:p>
@@ -15158,7 +15102,7 @@
               <a:buNone/>
             </a:pPr>
             <a:r>
-              <a:rPr lang="es-ES" sz="1600" dirty="0"/>
+              <a:rPr lang="es-ES" sz="2000" dirty="0"/>
               <a:t>[4  1  3  2]</a:t>
             </a:r>
           </a:p>
@@ -15167,7 +15111,7 @@
               <a:buNone/>
             </a:pPr>
             <a:r>
-              <a:rPr lang="es-ES" sz="1600" dirty="0"/>
+              <a:rPr lang="es-ES" sz="2000" dirty="0"/>
               <a:t>[2  1  1  2]</a:t>
             </a:r>
           </a:p>
@@ -15176,7 +15120,7 @@
               <a:buNone/>
             </a:pPr>
             <a:r>
-              <a:rPr lang="es-ES" sz="1600" dirty="0"/>
+              <a:rPr lang="es-ES" sz="2000" dirty="0"/>
               <a:t>[1  4  2  1]</a:t>
             </a:r>
           </a:p>
@@ -15190,43 +15134,76 @@
             </a:r>
           </a:p>
           <a:p>
-            <a:pPr marL="0" indent="0" algn="ctr">
+            <a:pPr marL="0" indent="0">
               <a:buNone/>
             </a:pPr>
             <a:r>
-              <a:rPr lang="es-ES" sz="1600" dirty="0"/>
-              <a:t>[1  0  4  0]</a:t>
-            </a:r>
-          </a:p>
-          <a:p>
-            <a:pPr marL="0" indent="0" algn="ctr">
-              <a:buNone/>
-            </a:pPr>
-            <a:r>
-              <a:rPr lang="es-ES" sz="1600" dirty="0"/>
-              <a:t>[4  1  3  2]</a:t>
-            </a:r>
-          </a:p>
-          <a:p>
-            <a:pPr marL="0" indent="0" algn="ctr">
-              <a:buNone/>
-            </a:pPr>
-            <a:r>
-              <a:rPr lang="es-ES" sz="1600" dirty="0"/>
-              <a:t>[2  0  1  0]</a:t>
-            </a:r>
-          </a:p>
-          <a:p>
-            <a:pPr marL="0" indent="0" algn="ctr">
-              <a:buNone/>
-            </a:pPr>
-            <a:r>
-              <a:rPr lang="es-ES" sz="1600" dirty="0"/>
-              <a:t>[0  4  2  1]</a:t>
+              <a:rPr lang="es-ES" dirty="0"/>
+              <a:t>	</a:t>
             </a:r>
           </a:p>
         </p:txBody>
       </p:sp>
+      <p:pic>
+        <p:nvPicPr>
+          <p:cNvPr id="4098" name="Picture 2">
+            <a:extLst>
+              <a:ext uri="{FF2B5EF4-FFF2-40B4-BE49-F238E27FC236}">
+                <a16:creationId xmlns:a16="http://schemas.microsoft.com/office/drawing/2014/main" id="{2EB4F0D8-6CC0-4464-A72E-22311F40505E}"/>
+              </a:ext>
+            </a:extLst>
+          </p:cNvPr>
+          <p:cNvPicPr>
+            <a:picLocks noChangeAspect="1" noChangeArrowheads="1"/>
+          </p:cNvPicPr>
+          <p:nvPr/>
+        </p:nvPicPr>
+        <p:blipFill>
+          <a:blip r:embed="rId2">
+            <a:extLst>
+              <a:ext uri="{28A0092B-C50C-407E-A947-70E740481C1C}">
+                <a14:useLocalDpi xmlns:a14="http://schemas.microsoft.com/office/drawing/2010/main" val="0"/>
+              </a:ext>
+            </a:extLst>
+          </a:blip>
+          <a:srcRect/>
+          <a:stretch>
+            <a:fillRect/>
+          </a:stretch>
+        </p:blipFill>
+        <p:spPr bwMode="auto">
+          <a:xfrm>
+            <a:off x="1378983" y="5229200"/>
+            <a:ext cx="5316057" cy="303248"/>
+          </a:xfrm>
+          <a:prstGeom prst="rect">
+            <a:avLst/>
+          </a:prstGeom>
+          <a:noFill/>
+          <a:ln>
+            <a:noFill/>
+          </a:ln>
+          <a:extLst>
+            <a:ext uri="{909E8E84-426E-40DD-AFC4-6F175D3DCCD1}">
+              <a14:hiddenFill xmlns:a14="http://schemas.microsoft.com/office/drawing/2010/main">
+                <a:solidFill>
+                  <a:srgbClr val="FFFFFF"/>
+                </a:solidFill>
+              </a14:hiddenFill>
+            </a:ext>
+            <a:ext uri="{91240B29-F687-4F45-9708-019B960494DF}">
+              <a14:hiddenLine xmlns:a14="http://schemas.microsoft.com/office/drawing/2010/main" w="9525">
+                <a:solidFill>
+                  <a:srgbClr val="000000"/>
+                </a:solidFill>
+                <a:miter lim="800000"/>
+                <a:headEnd/>
+                <a:tailEnd/>
+              </a14:hiddenLine>
+            </a:ext>
+          </a:extLst>
+        </p:spPr>
+      </p:pic>
     </p:spTree>
     <p:extLst>
       <p:ext uri="{BB962C8B-B14F-4D97-AF65-F5344CB8AC3E}">
@@ -15323,7 +15300,7 @@
               <a:buNone/>
             </a:pPr>
             <a:r>
-              <a:rPr lang="es-ES" sz="1400" dirty="0"/>
+              <a:rPr lang="es-ES" sz="2000" dirty="0"/>
               <a:t>[3  3  2  5  1]</a:t>
             </a:r>
           </a:p>
@@ -15332,7 +15309,7 @@
               <a:buNone/>
             </a:pPr>
             <a:r>
-              <a:rPr lang="es-ES" sz="1400" dirty="0"/>
+              <a:rPr lang="es-ES" sz="2000" dirty="0"/>
               <a:t>[1  5  2  5  3]</a:t>
             </a:r>
           </a:p>
@@ -15341,7 +15318,7 @@
               <a:buNone/>
             </a:pPr>
             <a:r>
-              <a:rPr lang="es-ES" sz="1400" dirty="0"/>
+              <a:rPr lang="es-ES" sz="2000" dirty="0"/>
               <a:t>[2  4  3  1  2]</a:t>
             </a:r>
           </a:p>
@@ -15350,7 +15327,7 @@
               <a:buNone/>
             </a:pPr>
             <a:r>
-              <a:rPr lang="es-ES" sz="1400" dirty="0"/>
+              <a:rPr lang="es-ES" sz="2000" dirty="0"/>
               <a:t>[4  2  4  3  2]</a:t>
             </a:r>
           </a:p>
@@ -15359,7 +15336,7 @@
               <a:buNone/>
             </a:pPr>
             <a:r>
-              <a:rPr lang="es-ES" sz="1400" dirty="0"/>
+              <a:rPr lang="es-ES" sz="2000" dirty="0"/>
               <a:t>[2  1  4  2  5]</a:t>
             </a:r>
           </a:p>
@@ -15372,53 +15349,68 @@
               <a:t>	Resultados:</a:t>
             </a:r>
           </a:p>
-          <a:p>
-            <a:pPr marL="0" indent="0" algn="ctr">
-              <a:buNone/>
-            </a:pPr>
-            <a:r>
-              <a:rPr lang="es-ES" sz="1400" dirty="0"/>
-              <a:t>[0  3  0  5  1]</a:t>
-            </a:r>
-          </a:p>
-          <a:p>
-            <a:pPr marL="0" indent="0" algn="ctr">
-              <a:buNone/>
-            </a:pPr>
-            <a:r>
-              <a:rPr lang="es-ES" sz="1400" dirty="0"/>
-              <a:t>[1  5  2  0  3]</a:t>
-            </a:r>
-          </a:p>
-          <a:p>
-            <a:pPr marL="0" indent="0" algn="ctr">
-              <a:buNone/>
-            </a:pPr>
-            <a:r>
-              <a:rPr lang="es-ES" sz="1400" dirty="0"/>
-              <a:t>[0  4  3  1  2]</a:t>
-            </a:r>
-          </a:p>
-          <a:p>
-            <a:pPr marL="0" indent="0" algn="ctr">
-              <a:buNone/>
-            </a:pPr>
-            <a:r>
-              <a:rPr lang="es-ES" sz="1400" dirty="0"/>
-              <a:t>[4  2  0  3  0]</a:t>
-            </a:r>
-          </a:p>
-          <a:p>
-            <a:pPr marL="0" indent="0" algn="ctr">
-              <a:buNone/>
-            </a:pPr>
-            <a:r>
-              <a:rPr lang="es-ES" sz="1400" dirty="0"/>
-              <a:t>[0  1  4  2  5]</a:t>
-            </a:r>
-          </a:p>
         </p:txBody>
       </p:sp>
+      <p:pic>
+        <p:nvPicPr>
+          <p:cNvPr id="3074" name="Picture 2">
+            <a:extLst>
+              <a:ext uri="{FF2B5EF4-FFF2-40B4-BE49-F238E27FC236}">
+                <a16:creationId xmlns:a16="http://schemas.microsoft.com/office/drawing/2014/main" id="{6E740E35-02FD-4F8C-AF95-E6C3216FD989}"/>
+              </a:ext>
+            </a:extLst>
+          </p:cNvPr>
+          <p:cNvPicPr>
+            <a:picLocks noChangeAspect="1" noChangeArrowheads="1"/>
+          </p:cNvPicPr>
+          <p:nvPr/>
+        </p:nvPicPr>
+        <p:blipFill>
+          <a:blip r:embed="rId2">
+            <a:extLst>
+              <a:ext uri="{28A0092B-C50C-407E-A947-70E740481C1C}">
+                <a14:useLocalDpi xmlns:a14="http://schemas.microsoft.com/office/drawing/2010/main" val="0"/>
+              </a:ext>
+            </a:extLst>
+          </a:blip>
+          <a:srcRect/>
+          <a:stretch>
+            <a:fillRect/>
+          </a:stretch>
+        </p:blipFill>
+        <p:spPr bwMode="auto">
+          <a:xfrm>
+            <a:off x="1732206" y="5661248"/>
+            <a:ext cx="5679587" cy="269654"/>
+          </a:xfrm>
+          <a:prstGeom prst="rect">
+            <a:avLst/>
+          </a:prstGeom>
+          <a:noFill/>
+          <a:ln>
+            <a:noFill/>
+          </a:ln>
+          <a:extLst>
+            <a:ext uri="{909E8E84-426E-40DD-AFC4-6F175D3DCCD1}">
+              <a14:hiddenFill xmlns:a14="http://schemas.microsoft.com/office/drawing/2010/main">
+                <a:solidFill>
+                  <a:srgbClr val="FFFFFF"/>
+                </a:solidFill>
+              </a14:hiddenFill>
+            </a:ext>
+            <a:ext uri="{91240B29-F687-4F45-9708-019B960494DF}">
+              <a14:hiddenLine xmlns:a14="http://schemas.microsoft.com/office/drawing/2010/main" w="9525">
+                <a:solidFill>
+                  <a:srgbClr val="000000"/>
+                </a:solidFill>
+                <a:miter lim="800000"/>
+                <a:headEnd/>
+                <a:tailEnd/>
+              </a14:hiddenLine>
+            </a:ext>
+          </a:extLst>
+        </p:spPr>
+      </p:pic>
     </p:spTree>
     <p:extLst>
       <p:ext uri="{BB962C8B-B14F-4D97-AF65-F5344CB8AC3E}">

--- a/Presentacion.pptx
+++ b/Presentacion.pptx
@@ -12,10 +12,15 @@
     <p:sldId id="260" r:id="rId6"/>
     <p:sldId id="261" r:id="rId7"/>
     <p:sldId id="262" r:id="rId8"/>
-    <p:sldId id="263" r:id="rId9"/>
-    <p:sldId id="264" r:id="rId10"/>
-    <p:sldId id="265" r:id="rId11"/>
-    <p:sldId id="266" r:id="rId12"/>
+    <p:sldId id="267" r:id="rId9"/>
+    <p:sldId id="263" r:id="rId10"/>
+    <p:sldId id="268" r:id="rId11"/>
+    <p:sldId id="264" r:id="rId12"/>
+    <p:sldId id="269" r:id="rId13"/>
+    <p:sldId id="265" r:id="rId14"/>
+    <p:sldId id="270" r:id="rId15"/>
+    <p:sldId id="266" r:id="rId16"/>
+    <p:sldId id="271" r:id="rId17"/>
   </p:sldIdLst>
   <p:sldSz cx="9144000" cy="6858000" type="screen4x3"/>
   <p:notesSz cx="6858000" cy="9144000"/>
@@ -569,7 +574,7 @@
             </a:ln>
             <a:extLst>
               <a:ext uri="{91240B29-F687-4f45-9708-019B960494DF}">
-                <a14:hiddenLine xmlns="" xmlns:a14="http://schemas.microsoft.com/office/drawing/2010/main" w="9525">
+                <a14:hiddenLine xmlns:a14="http://schemas.microsoft.com/office/drawing/2010/main" xmlns="" w="9525">
                   <a:solidFill>
                     <a:srgbClr val="000000"/>
                   </a:solidFill>
@@ -766,7 +771,7 @@
           <a:p>
             <a:fld id="{7A847CFC-816F-41D0-AAC0-9BF4FEBC753E}" type="datetimeFigureOut">
               <a:rPr lang="es-ES" smtClean="0"/>
-              <a:t>27/06/2019</a:t>
+              <a:t>02/07/2019</a:t>
             </a:fld>
             <a:endParaRPr lang="es-ES"/>
           </a:p>
@@ -1650,7 +1655,7 @@
             </a:ln>
             <a:extLst>
               <a:ext uri="{91240B29-F687-4f45-9708-019B960494DF}">
-                <a14:hiddenLine xmlns="" xmlns:a14="http://schemas.microsoft.com/office/drawing/2010/main" w="9525">
+                <a14:hiddenLine xmlns:a14="http://schemas.microsoft.com/office/drawing/2010/main" xmlns="" w="9525">
                   <a:solidFill>
                     <a:srgbClr val="000000"/>
                   </a:solidFill>
@@ -1867,7 +1872,7 @@
           <a:p>
             <a:fld id="{7A847CFC-816F-41D0-AAC0-9BF4FEBC753E}" type="datetimeFigureOut">
               <a:rPr lang="es-ES" smtClean="0"/>
-              <a:t>27/06/2019</a:t>
+              <a:t>02/07/2019</a:t>
             </a:fld>
             <a:endParaRPr lang="es-ES"/>
           </a:p>
@@ -2736,7 +2741,7 @@
             </a:ln>
             <a:extLst>
               <a:ext uri="{91240B29-F687-4f45-9708-019B960494DF}">
-                <a14:hiddenLine xmlns="" xmlns:a14="http://schemas.microsoft.com/office/drawing/2010/main" w="9525">
+                <a14:hiddenLine xmlns:a14="http://schemas.microsoft.com/office/drawing/2010/main" xmlns="" w="9525">
                   <a:solidFill>
                     <a:srgbClr val="000000"/>
                   </a:solidFill>
@@ -2865,7 +2870,7 @@
           <a:p>
             <a:fld id="{7A847CFC-816F-41D0-AAC0-9BF4FEBC753E}" type="datetimeFigureOut">
               <a:rPr lang="es-ES" smtClean="0"/>
-              <a:t>27/06/2019</a:t>
+              <a:t>02/07/2019</a:t>
             </a:fld>
             <a:endParaRPr lang="es-ES"/>
           </a:p>
@@ -3697,7 +3702,7 @@
             </a:ln>
             <a:extLst>
               <a:ext uri="{91240B29-F687-4f45-9708-019B960494DF}">
-                <a14:hiddenLine xmlns="" xmlns:a14="http://schemas.microsoft.com/office/drawing/2010/main" w="9525">
+                <a14:hiddenLine xmlns:a14="http://schemas.microsoft.com/office/drawing/2010/main" xmlns="" w="9525">
                   <a:solidFill>
                     <a:srgbClr val="000000"/>
                   </a:solidFill>
@@ -3980,7 +3985,7 @@
           <a:p>
             <a:fld id="{7A847CFC-816F-41D0-AAC0-9BF4FEBC753E}" type="datetimeFigureOut">
               <a:rPr lang="es-ES" smtClean="0"/>
-              <a:t>27/06/2019</a:t>
+              <a:t>02/07/2019</a:t>
             </a:fld>
             <a:endParaRPr lang="es-ES"/>
           </a:p>
@@ -4812,7 +4817,7 @@
             </a:ln>
             <a:extLst>
               <a:ext uri="{91240B29-F687-4f45-9708-019B960494DF}">
-                <a14:hiddenLine xmlns="" xmlns:a14="http://schemas.microsoft.com/office/drawing/2010/main" w="9525">
+                <a14:hiddenLine xmlns:a14="http://schemas.microsoft.com/office/drawing/2010/main" xmlns="" w="9525">
                   <a:solidFill>
                     <a:srgbClr val="000000"/>
                   </a:solidFill>
@@ -4994,7 +4999,7 @@
           <a:p>
             <a:fld id="{7A847CFC-816F-41D0-AAC0-9BF4FEBC753E}" type="datetimeFigureOut">
               <a:rPr lang="es-ES" smtClean="0"/>
-              <a:t>27/06/2019</a:t>
+              <a:t>02/07/2019</a:t>
             </a:fld>
             <a:endParaRPr lang="es-ES"/>
           </a:p>
@@ -5666,7 +5671,7 @@
           <a:p>
             <a:fld id="{7A847CFC-816F-41D0-AAC0-9BF4FEBC753E}" type="datetimeFigureOut">
               <a:rPr lang="es-ES" smtClean="0"/>
-              <a:t>27/06/2019</a:t>
+              <a:t>02/07/2019</a:t>
             </a:fld>
             <a:endParaRPr lang="es-ES"/>
           </a:p>
@@ -6539,7 +6544,7 @@
           <a:p>
             <a:fld id="{7A847CFC-816F-41D0-AAC0-9BF4FEBC753E}" type="datetimeFigureOut">
               <a:rPr lang="es-ES" smtClean="0"/>
-              <a:t>27/06/2019</a:t>
+              <a:t>02/07/2019</a:t>
             </a:fld>
             <a:endParaRPr lang="es-ES"/>
           </a:p>
@@ -6726,7 +6731,7 @@
           <a:p>
             <a:fld id="{7A847CFC-816F-41D0-AAC0-9BF4FEBC753E}" type="datetimeFigureOut">
               <a:rPr lang="es-ES" smtClean="0"/>
-              <a:t>27/06/2019</a:t>
+              <a:t>02/07/2019</a:t>
             </a:fld>
             <a:endParaRPr lang="es-ES"/>
           </a:p>
@@ -7561,7 +7566,7 @@
           </a:ln>
           <a:extLst>
             <a:ext uri="{91240B29-F687-4f45-9708-019B960494DF}">
-              <a14:hiddenLine xmlns="" xmlns:a14="http://schemas.microsoft.com/office/drawing/2010/main" w="9525">
+              <a14:hiddenLine xmlns:a14="http://schemas.microsoft.com/office/drawing/2010/main" xmlns="" w="9525">
                 <a:solidFill>
                   <a:srgbClr val="000000"/>
                 </a:solidFill>
@@ -7675,7 +7680,7 @@
           <a:p>
             <a:fld id="{7A847CFC-816F-41D0-AAC0-9BF4FEBC753E}" type="datetimeFigureOut">
               <a:rPr lang="es-ES" smtClean="0"/>
-              <a:t>27/06/2019</a:t>
+              <a:t>02/07/2019</a:t>
             </a:fld>
             <a:endParaRPr lang="es-ES"/>
           </a:p>
@@ -7907,7 +7912,7 @@
           <a:p>
             <a:fld id="{7A847CFC-816F-41D0-AAC0-9BF4FEBC753E}" type="datetimeFigureOut">
               <a:rPr lang="es-ES" smtClean="0"/>
-              <a:t>27/06/2019</a:t>
+              <a:t>02/07/2019</a:t>
             </a:fld>
             <a:endParaRPr lang="es-ES"/>
           </a:p>
@@ -8736,7 +8741,7 @@
             </a:ln>
             <a:extLst>
               <a:ext uri="{91240B29-F687-4f45-9708-019B960494DF}">
-                <a14:hiddenLine xmlns="" xmlns:a14="http://schemas.microsoft.com/office/drawing/2010/main" w="9525">
+                <a14:hiddenLine xmlns:a14="http://schemas.microsoft.com/office/drawing/2010/main" xmlns="" w="9525">
                   <a:solidFill>
                     <a:srgbClr val="000000"/>
                   </a:solidFill>
@@ -8918,7 +8923,7 @@
           <a:p>
             <a:fld id="{7A847CFC-816F-41D0-AAC0-9BF4FEBC753E}" type="datetimeFigureOut">
               <a:rPr lang="es-ES" smtClean="0"/>
-              <a:t>27/06/2019</a:t>
+              <a:t>02/07/2019</a:t>
             </a:fld>
             <a:endParaRPr lang="es-ES"/>
           </a:p>
@@ -9202,7 +9207,7 @@
           <a:p>
             <a:fld id="{7A847CFC-816F-41D0-AAC0-9BF4FEBC753E}" type="datetimeFigureOut">
               <a:rPr lang="es-ES" smtClean="0"/>
-              <a:t>27/06/2019</a:t>
+              <a:t>02/07/2019</a:t>
             </a:fld>
             <a:endParaRPr lang="es-ES"/>
           </a:p>
@@ -9602,7 +9607,7 @@
           <a:p>
             <a:fld id="{7A847CFC-816F-41D0-AAC0-9BF4FEBC753E}" type="datetimeFigureOut">
               <a:rPr lang="es-ES" smtClean="0"/>
-              <a:t>27/06/2019</a:t>
+              <a:t>02/07/2019</a:t>
             </a:fld>
             <a:endParaRPr lang="es-ES"/>
           </a:p>
@@ -9732,7 +9737,7 @@
           <a:p>
             <a:fld id="{7A847CFC-816F-41D0-AAC0-9BF4FEBC753E}" type="datetimeFigureOut">
               <a:rPr lang="es-ES" smtClean="0"/>
-              <a:t>27/06/2019</a:t>
+              <a:t>02/07/2019</a:t>
             </a:fld>
             <a:endParaRPr lang="es-ES"/>
           </a:p>
@@ -9875,7 +9880,7 @@
           <a:p>
             <a:fld id="{7A847CFC-816F-41D0-AAC0-9BF4FEBC753E}" type="datetimeFigureOut">
               <a:rPr lang="es-ES" smtClean="0"/>
-              <a:t>27/06/2019</a:t>
+              <a:t>02/07/2019</a:t>
             </a:fld>
             <a:endParaRPr lang="es-ES"/>
           </a:p>
@@ -10704,7 +10709,7 @@
             </a:ln>
             <a:extLst>
               <a:ext uri="{91240B29-F687-4f45-9708-019B960494DF}">
-                <a14:hiddenLine xmlns="" xmlns:a14="http://schemas.microsoft.com/office/drawing/2010/main" w="9525">
+                <a14:hiddenLine xmlns:a14="http://schemas.microsoft.com/office/drawing/2010/main" xmlns="" w="9525">
                   <a:solidFill>
                     <a:srgbClr val="000000"/>
                   </a:solidFill>
@@ -10897,7 +10902,7 @@
           <a:p>
             <a:fld id="{7A847CFC-816F-41D0-AAC0-9BF4FEBC753E}" type="datetimeFigureOut">
               <a:rPr lang="es-ES" smtClean="0"/>
-              <a:t>27/06/2019</a:t>
+              <a:t>02/07/2019</a:t>
             </a:fld>
             <a:endParaRPr lang="es-ES"/>
           </a:p>
@@ -11762,7 +11767,7 @@
             </a:ln>
             <a:extLst>
               <a:ext uri="{91240B29-F687-4f45-9708-019B960494DF}">
-                <a14:hiddenLine xmlns="" xmlns:a14="http://schemas.microsoft.com/office/drawing/2010/main" w="9525">
+                <a14:hiddenLine xmlns:a14="http://schemas.microsoft.com/office/drawing/2010/main" xmlns="" w="9525">
                   <a:solidFill>
                     <a:srgbClr val="000000"/>
                   </a:solidFill>
@@ -11979,7 +11984,7 @@
           <a:p>
             <a:fld id="{7A847CFC-816F-41D0-AAC0-9BF4FEBC753E}" type="datetimeFigureOut">
               <a:rPr lang="es-ES" smtClean="0"/>
-              <a:t>27/06/2019</a:t>
+              <a:t>02/07/2019</a:t>
             </a:fld>
             <a:endParaRPr lang="es-ES"/>
           </a:p>
@@ -12812,7 +12817,7 @@
             </a:ln>
             <a:extLst>
               <a:ext uri="{91240B29-F687-4f45-9708-019B960494DF}">
-                <a14:hiddenLine xmlns="" xmlns:a14="http://schemas.microsoft.com/office/drawing/2010/main" w="9525">
+                <a14:hiddenLine xmlns:a14="http://schemas.microsoft.com/office/drawing/2010/main" xmlns="" w="9525">
                   <a:solidFill>
                     <a:srgbClr val="000000"/>
                   </a:solidFill>
@@ -12953,7 +12958,7 @@
           <a:p>
             <a:fld id="{7A847CFC-816F-41D0-AAC0-9BF4FEBC753E}" type="datetimeFigureOut">
               <a:rPr lang="es-ES" smtClean="0"/>
-              <a:t>27/06/2019</a:t>
+              <a:t>02/07/2019</a:t>
             </a:fld>
             <a:endParaRPr lang="es-ES"/>
           </a:p>
@@ -13872,6 +13877,559 @@
           <p:cNvPr id="2" name="Título 1">
             <a:extLst>
               <a:ext uri="{FF2B5EF4-FFF2-40B4-BE49-F238E27FC236}">
+                <a16:creationId xmlns:a16="http://schemas.microsoft.com/office/drawing/2014/main" id="{967D03A1-A392-48CF-AB9D-CC0AFCAF1842}"/>
+              </a:ext>
+            </a:extLst>
+          </p:cNvPr>
+          <p:cNvSpPr>
+            <a:spLocks noGrp="1"/>
+          </p:cNvSpPr>
+          <p:nvPr>
+            <p:ph type="title"/>
+          </p:nvPr>
+        </p:nvSpPr>
+        <p:spPr/>
+        <p:txBody>
+          <a:bodyPr/>
+          <a:lstStyle/>
+          <a:p>
+            <a:r>
+              <a:rPr lang="es-ES" dirty="0"/>
+              <a:t>Resultados</a:t>
+            </a:r>
+          </a:p>
+        </p:txBody>
+      </p:sp>
+      <p:sp>
+        <p:nvSpPr>
+          <p:cNvPr id="3" name="Marcador de contenido 2">
+            <a:extLst>
+              <a:ext uri="{FF2B5EF4-FFF2-40B4-BE49-F238E27FC236}">
+                <a16:creationId xmlns:a16="http://schemas.microsoft.com/office/drawing/2014/main" id="{0E0BE1E6-D30A-43ED-B2A9-92642C91D1A6}"/>
+              </a:ext>
+            </a:extLst>
+          </p:cNvPr>
+          <p:cNvSpPr>
+            <a:spLocks noGrp="1"/>
+          </p:cNvSpPr>
+          <p:nvPr>
+            <p:ph idx="1"/>
+          </p:nvPr>
+        </p:nvSpPr>
+        <p:spPr/>
+        <p:txBody>
+          <a:bodyPr/>
+          <a:lstStyle/>
+          <a:p>
+            <a:r>
+              <a:rPr lang="es-ES" dirty="0"/>
+              <a:t>4x4</a:t>
+            </a:r>
+          </a:p>
+          <a:p>
+            <a:pPr marL="0" indent="0" algn="ctr">
+              <a:buNone/>
+            </a:pPr>
+            <a:r>
+              <a:rPr lang="es-ES" sz="2000" dirty="0"/>
+              <a:t>[1, 0, 4, 0]</a:t>
+            </a:r>
+          </a:p>
+          <a:p>
+            <a:pPr marL="0" indent="0" algn="ctr">
+              <a:buNone/>
+            </a:pPr>
+            <a:r>
+              <a:rPr lang="es-ES" sz="2000" dirty="0"/>
+              <a:t>[4, 1, 3, 2]</a:t>
+            </a:r>
+          </a:p>
+          <a:p>
+            <a:pPr marL="0" indent="0" algn="ctr">
+              <a:buNone/>
+            </a:pPr>
+            <a:r>
+              <a:rPr lang="es-ES" sz="2000" dirty="0"/>
+              <a:t>[2, 0, 1, 0]</a:t>
+            </a:r>
+          </a:p>
+          <a:p>
+            <a:pPr marL="0" indent="0" algn="ctr">
+              <a:buNone/>
+            </a:pPr>
+            <a:r>
+              <a:rPr lang="es-ES" sz="2000" dirty="0"/>
+              <a:t>[0, 4, 2, 1]</a:t>
+            </a:r>
+          </a:p>
+          <a:p>
+            <a:pPr marL="0" indent="0">
+              <a:buNone/>
+            </a:pPr>
+            <a:r>
+              <a:rPr lang="es-ES" sz="2000" dirty="0"/>
+              <a:t>	</a:t>
+            </a:r>
+            <a:r>
+              <a:rPr lang="es-ES" dirty="0"/>
+              <a:t>Resultados:</a:t>
+            </a:r>
+          </a:p>
+          <a:p>
+            <a:pPr marL="0" indent="0" algn="ctr">
+              <a:buNone/>
+            </a:pPr>
+            <a:endParaRPr lang="es-ES" sz="2000" dirty="0"/>
+          </a:p>
+          <a:p>
+            <a:pPr marL="0" indent="0" algn="ctr">
+              <a:buNone/>
+            </a:pPr>
+            <a:endParaRPr lang="es-ES" sz="2000" dirty="0"/>
+          </a:p>
+        </p:txBody>
+      </p:sp>
+      <p:pic>
+        <p:nvPicPr>
+          <p:cNvPr id="5" name="Picture 2">
+            <a:extLst>
+              <a:ext uri="{FF2B5EF4-FFF2-40B4-BE49-F238E27FC236}">
+                <a16:creationId xmlns:a16="http://schemas.microsoft.com/office/drawing/2014/main" id="{4C390E24-602E-4684-B0F2-4423FA581E1A}"/>
+              </a:ext>
+            </a:extLst>
+          </p:cNvPr>
+          <p:cNvPicPr>
+            <a:picLocks noChangeAspect="1" noChangeArrowheads="1"/>
+          </p:cNvPicPr>
+          <p:nvPr/>
+        </p:nvPicPr>
+        <p:blipFill>
+          <a:blip r:embed="rId2">
+            <a:extLst>
+              <a:ext uri="{28A0092B-C50C-407E-A947-70E740481C1C}">
+                <a14:useLocalDpi xmlns:a14="http://schemas.microsoft.com/office/drawing/2010/main" val="0"/>
+              </a:ext>
+            </a:extLst>
+          </a:blip>
+          <a:srcRect/>
+          <a:stretch>
+            <a:fillRect/>
+          </a:stretch>
+        </p:blipFill>
+        <p:spPr bwMode="auto">
+          <a:xfrm>
+            <a:off x="1378983" y="5229200"/>
+            <a:ext cx="5316057" cy="303248"/>
+          </a:xfrm>
+          <a:prstGeom prst="rect">
+            <a:avLst/>
+          </a:prstGeom>
+          <a:noFill/>
+          <a:ln>
+            <a:noFill/>
+          </a:ln>
+          <a:extLst>
+            <a:ext uri="{909E8E84-426E-40DD-AFC4-6F175D3DCCD1}">
+              <a14:hiddenFill xmlns:a14="http://schemas.microsoft.com/office/drawing/2010/main">
+                <a:solidFill>
+                  <a:srgbClr val="FFFFFF"/>
+                </a:solidFill>
+              </a14:hiddenFill>
+            </a:ext>
+            <a:ext uri="{91240B29-F687-4F45-9708-019B960494DF}">
+              <a14:hiddenLine xmlns:a14="http://schemas.microsoft.com/office/drawing/2010/main" w="9525">
+                <a:solidFill>
+                  <a:srgbClr val="000000"/>
+                </a:solidFill>
+                <a:miter lim="800000"/>
+                <a:headEnd/>
+                <a:tailEnd/>
+              </a14:hiddenLine>
+            </a:ext>
+          </a:extLst>
+        </p:spPr>
+      </p:pic>
+    </p:spTree>
+    <p:extLst>
+      <p:ext uri="{BB962C8B-B14F-4D97-AF65-F5344CB8AC3E}">
+        <p14:creationId xmlns:p14="http://schemas.microsoft.com/office/powerpoint/2010/main" val="2718272519"/>
+      </p:ext>
+    </p:extLst>
+  </p:cSld>
+  <p:clrMapOvr>
+    <a:masterClrMapping/>
+  </p:clrMapOvr>
+</p:sld>
+</file>
+
+<file path=ppt/slides/slide11.xml><?xml version="1.0" encoding="utf-8"?>
+<p:sld xmlns:a="http://schemas.openxmlformats.org/drawingml/2006/main" xmlns:r="http://schemas.openxmlformats.org/officeDocument/2006/relationships" xmlns:p="http://schemas.openxmlformats.org/presentationml/2006/main">
+  <p:cSld>
+    <p:spTree>
+      <p:nvGrpSpPr>
+        <p:cNvPr id="1" name=""/>
+        <p:cNvGrpSpPr/>
+        <p:nvPr/>
+      </p:nvGrpSpPr>
+      <p:grpSpPr>
+        <a:xfrm>
+          <a:off x="0" y="0"/>
+          <a:ext cx="0" cy="0"/>
+          <a:chOff x="0" y="0"/>
+          <a:chExt cx="0" cy="0"/>
+        </a:xfrm>
+      </p:grpSpPr>
+      <p:sp>
+        <p:nvSpPr>
+          <p:cNvPr id="2" name="Título 1">
+            <a:extLst>
+              <a:ext uri="{FF2B5EF4-FFF2-40B4-BE49-F238E27FC236}">
+                <a16:creationId xmlns:a16="http://schemas.microsoft.com/office/drawing/2014/main" id="{1C580515-6998-4FDB-9F06-8468ADBF129A}"/>
+              </a:ext>
+            </a:extLst>
+          </p:cNvPr>
+          <p:cNvSpPr>
+            <a:spLocks noGrp="1"/>
+          </p:cNvSpPr>
+          <p:nvPr>
+            <p:ph type="title"/>
+          </p:nvPr>
+        </p:nvSpPr>
+        <p:spPr/>
+        <p:txBody>
+          <a:bodyPr/>
+          <a:lstStyle/>
+          <a:p>
+            <a:r>
+              <a:rPr lang="es-ES" dirty="0"/>
+              <a:t>Resultados</a:t>
+            </a:r>
+          </a:p>
+        </p:txBody>
+      </p:sp>
+      <p:sp>
+        <p:nvSpPr>
+          <p:cNvPr id="3" name="Marcador de contenido 2">
+            <a:extLst>
+              <a:ext uri="{FF2B5EF4-FFF2-40B4-BE49-F238E27FC236}">
+                <a16:creationId xmlns:a16="http://schemas.microsoft.com/office/drawing/2014/main" id="{D60C49AF-8E44-46B2-8DB1-0CDDB91D72ED}"/>
+              </a:ext>
+            </a:extLst>
+          </p:cNvPr>
+          <p:cNvSpPr>
+            <a:spLocks noGrp="1"/>
+          </p:cNvSpPr>
+          <p:nvPr>
+            <p:ph idx="1"/>
+          </p:nvPr>
+        </p:nvSpPr>
+        <p:spPr>
+          <a:xfrm>
+            <a:off x="864382" y="2489200"/>
+            <a:ext cx="6345260" cy="4180160"/>
+          </a:xfrm>
+        </p:spPr>
+        <p:txBody>
+          <a:bodyPr>
+            <a:normAutofit/>
+          </a:bodyPr>
+          <a:lstStyle/>
+          <a:p>
+            <a:r>
+              <a:rPr lang="es-ES" dirty="0"/>
+              <a:t>5x5</a:t>
+            </a:r>
+          </a:p>
+          <a:p>
+            <a:pPr marL="0" indent="0" algn="ctr">
+              <a:buNone/>
+            </a:pPr>
+            <a:r>
+              <a:rPr lang="es-ES" dirty="0"/>
+              <a:t>[3  3  2  5  1]</a:t>
+            </a:r>
+          </a:p>
+          <a:p>
+            <a:pPr marL="0" indent="0" algn="ctr">
+              <a:buNone/>
+            </a:pPr>
+            <a:r>
+              <a:rPr lang="es-ES" dirty="0"/>
+              <a:t>[1  5  2  5  3]</a:t>
+            </a:r>
+          </a:p>
+          <a:p>
+            <a:pPr marL="0" indent="0" algn="ctr">
+              <a:buNone/>
+            </a:pPr>
+            <a:r>
+              <a:rPr lang="es-ES" dirty="0"/>
+              <a:t>[2  4  3  1  2]</a:t>
+            </a:r>
+          </a:p>
+          <a:p>
+            <a:pPr marL="0" indent="0" algn="ctr">
+              <a:buNone/>
+            </a:pPr>
+            <a:r>
+              <a:rPr lang="es-ES" dirty="0"/>
+              <a:t>[4  2  4  3  2]</a:t>
+            </a:r>
+          </a:p>
+          <a:p>
+            <a:pPr marL="0" indent="0" algn="ctr">
+              <a:buNone/>
+            </a:pPr>
+            <a:r>
+              <a:rPr lang="es-ES" dirty="0"/>
+              <a:t>[2  1  4  2  5]</a:t>
+            </a:r>
+          </a:p>
+        </p:txBody>
+      </p:sp>
+    </p:spTree>
+    <p:extLst>
+      <p:ext uri="{BB962C8B-B14F-4D97-AF65-F5344CB8AC3E}">
+        <p14:creationId xmlns:p14="http://schemas.microsoft.com/office/powerpoint/2010/main" val="824861549"/>
+      </p:ext>
+    </p:extLst>
+  </p:cSld>
+  <p:clrMapOvr>
+    <a:masterClrMapping/>
+  </p:clrMapOvr>
+</p:sld>
+</file>
+
+<file path=ppt/slides/slide12.xml><?xml version="1.0" encoding="utf-8"?>
+<p:sld xmlns:a="http://schemas.openxmlformats.org/drawingml/2006/main" xmlns:r="http://schemas.openxmlformats.org/officeDocument/2006/relationships" xmlns:p="http://schemas.openxmlformats.org/presentationml/2006/main">
+  <p:cSld>
+    <p:spTree>
+      <p:nvGrpSpPr>
+        <p:cNvPr id="1" name=""/>
+        <p:cNvGrpSpPr/>
+        <p:nvPr/>
+      </p:nvGrpSpPr>
+      <p:grpSpPr>
+        <a:xfrm>
+          <a:off x="0" y="0"/>
+          <a:ext cx="0" cy="0"/>
+          <a:chOff x="0" y="0"/>
+          <a:chExt cx="0" cy="0"/>
+        </a:xfrm>
+      </p:grpSpPr>
+      <p:sp>
+        <p:nvSpPr>
+          <p:cNvPr id="2" name="Título 1">
+            <a:extLst>
+              <a:ext uri="{FF2B5EF4-FFF2-40B4-BE49-F238E27FC236}">
+                <a16:creationId xmlns:a16="http://schemas.microsoft.com/office/drawing/2014/main" id="{45B98EB1-F8CE-4365-8DF5-207FB9D8FAA8}"/>
+              </a:ext>
+            </a:extLst>
+          </p:cNvPr>
+          <p:cNvSpPr>
+            <a:spLocks noGrp="1"/>
+          </p:cNvSpPr>
+          <p:nvPr>
+            <p:ph type="title"/>
+          </p:nvPr>
+        </p:nvSpPr>
+        <p:spPr/>
+        <p:txBody>
+          <a:bodyPr/>
+          <a:lstStyle/>
+          <a:p>
+            <a:r>
+              <a:rPr lang="es-ES" dirty="0"/>
+              <a:t>Resultados</a:t>
+            </a:r>
+          </a:p>
+        </p:txBody>
+      </p:sp>
+      <p:sp>
+        <p:nvSpPr>
+          <p:cNvPr id="3" name="Marcador de contenido 2">
+            <a:extLst>
+              <a:ext uri="{FF2B5EF4-FFF2-40B4-BE49-F238E27FC236}">
+                <a16:creationId xmlns:a16="http://schemas.microsoft.com/office/drawing/2014/main" id="{8B7DEA6F-8AD1-4F2C-AFE4-B7C6A818850F}"/>
+              </a:ext>
+            </a:extLst>
+          </p:cNvPr>
+          <p:cNvSpPr>
+            <a:spLocks noGrp="1"/>
+          </p:cNvSpPr>
+          <p:nvPr>
+            <p:ph idx="1"/>
+          </p:nvPr>
+        </p:nvSpPr>
+        <p:spPr>
+          <a:xfrm>
+            <a:off x="864382" y="2489200"/>
+            <a:ext cx="6345260" cy="3530600"/>
+          </a:xfrm>
+        </p:spPr>
+        <p:txBody>
+          <a:bodyPr/>
+          <a:lstStyle/>
+          <a:p>
+            <a:r>
+              <a:rPr lang="es-ES" dirty="0"/>
+              <a:t>5x5</a:t>
+            </a:r>
+          </a:p>
+          <a:p>
+            <a:pPr marL="0" indent="0" algn="ctr">
+              <a:buNone/>
+            </a:pPr>
+            <a:r>
+              <a:rPr lang="es-ES" dirty="0"/>
+              <a:t>[0, 3, 0, 5, 1]</a:t>
+            </a:r>
+          </a:p>
+          <a:p>
+            <a:pPr marL="0" indent="0" algn="ctr">
+              <a:buNone/>
+            </a:pPr>
+            <a:r>
+              <a:rPr lang="es-ES" dirty="0"/>
+              <a:t>[1, 5, 2, 0, 3]</a:t>
+            </a:r>
+          </a:p>
+          <a:p>
+            <a:pPr marL="0" indent="0" algn="ctr">
+              <a:buNone/>
+            </a:pPr>
+            <a:r>
+              <a:rPr lang="es-ES" dirty="0"/>
+              <a:t>[0, 4, 3, 1, 2]</a:t>
+            </a:r>
+          </a:p>
+          <a:p>
+            <a:pPr marL="0" indent="0" algn="ctr">
+              <a:buNone/>
+            </a:pPr>
+            <a:r>
+              <a:rPr lang="es-ES" dirty="0"/>
+              <a:t>[4, 2, 0, 3, 0]</a:t>
+            </a:r>
+          </a:p>
+          <a:p>
+            <a:pPr marL="0" indent="0" algn="ctr">
+              <a:buNone/>
+            </a:pPr>
+            <a:r>
+              <a:rPr lang="es-ES" dirty="0"/>
+              <a:t>[0, 1, 4, 2, 5]</a:t>
+            </a:r>
+          </a:p>
+          <a:p>
+            <a:pPr marL="0" indent="0">
+              <a:buNone/>
+            </a:pPr>
+            <a:r>
+              <a:rPr lang="es-ES" dirty="0"/>
+              <a:t>	Resultados:</a:t>
+            </a:r>
+          </a:p>
+          <a:p>
+            <a:endParaRPr lang="es-ES" dirty="0"/>
+          </a:p>
+        </p:txBody>
+      </p:sp>
+      <p:pic>
+        <p:nvPicPr>
+          <p:cNvPr id="4" name="Picture 2">
+            <a:extLst>
+              <a:ext uri="{FF2B5EF4-FFF2-40B4-BE49-F238E27FC236}">
+                <a16:creationId xmlns:a16="http://schemas.microsoft.com/office/drawing/2014/main" id="{BAC2C9E9-88F9-4103-A992-FB2B8B4D4D9C}"/>
+              </a:ext>
+            </a:extLst>
+          </p:cNvPr>
+          <p:cNvPicPr>
+            <a:picLocks noChangeAspect="1" noChangeArrowheads="1"/>
+          </p:cNvPicPr>
+          <p:nvPr/>
+        </p:nvPicPr>
+        <p:blipFill>
+          <a:blip r:embed="rId2">
+            <a:extLst>
+              <a:ext uri="{28A0092B-C50C-407E-A947-70E740481C1C}">
+                <a14:useLocalDpi xmlns:a14="http://schemas.microsoft.com/office/drawing/2010/main" val="0"/>
+              </a:ext>
+            </a:extLst>
+          </a:blip>
+          <a:srcRect/>
+          <a:stretch>
+            <a:fillRect/>
+          </a:stretch>
+        </p:blipFill>
+        <p:spPr bwMode="auto">
+          <a:xfrm>
+            <a:off x="1732206" y="5661248"/>
+            <a:ext cx="5679587" cy="269654"/>
+          </a:xfrm>
+          <a:prstGeom prst="rect">
+            <a:avLst/>
+          </a:prstGeom>
+          <a:noFill/>
+          <a:ln>
+            <a:noFill/>
+          </a:ln>
+          <a:extLst>
+            <a:ext uri="{909E8E84-426E-40DD-AFC4-6F175D3DCCD1}">
+              <a14:hiddenFill xmlns:a14="http://schemas.microsoft.com/office/drawing/2010/main">
+                <a:solidFill>
+                  <a:srgbClr val="FFFFFF"/>
+                </a:solidFill>
+              </a14:hiddenFill>
+            </a:ext>
+            <a:ext uri="{91240B29-F687-4F45-9708-019B960494DF}">
+              <a14:hiddenLine xmlns:a14="http://schemas.microsoft.com/office/drawing/2010/main" w="9525">
+                <a:solidFill>
+                  <a:srgbClr val="000000"/>
+                </a:solidFill>
+                <a:miter lim="800000"/>
+                <a:headEnd/>
+                <a:tailEnd/>
+              </a14:hiddenLine>
+            </a:ext>
+          </a:extLst>
+        </p:spPr>
+      </p:pic>
+    </p:spTree>
+    <p:extLst>
+      <p:ext uri="{BB962C8B-B14F-4D97-AF65-F5344CB8AC3E}">
+        <p14:creationId xmlns:p14="http://schemas.microsoft.com/office/powerpoint/2010/main" val="800827849"/>
+      </p:ext>
+    </p:extLst>
+  </p:cSld>
+  <p:clrMapOvr>
+    <a:masterClrMapping/>
+  </p:clrMapOvr>
+</p:sld>
+</file>
+
+<file path=ppt/slides/slide13.xml><?xml version="1.0" encoding="utf-8"?>
+<p:sld xmlns:a="http://schemas.openxmlformats.org/drawingml/2006/main" xmlns:r="http://schemas.openxmlformats.org/officeDocument/2006/relationships" xmlns:p="http://schemas.openxmlformats.org/presentationml/2006/main">
+  <p:cSld>
+    <p:spTree>
+      <p:nvGrpSpPr>
+        <p:cNvPr id="1" name=""/>
+        <p:cNvGrpSpPr/>
+        <p:nvPr/>
+      </p:nvGrpSpPr>
+      <p:grpSpPr>
+        <a:xfrm>
+          <a:off x="0" y="0"/>
+          <a:ext cx="0" cy="0"/>
+          <a:chOff x="0" y="0"/>
+          <a:chExt cx="0" cy="0"/>
+        </a:xfrm>
+      </p:grpSpPr>
+      <p:sp>
+        <p:nvSpPr>
+          <p:cNvPr id="2" name="Título 1">
+            <a:extLst>
+              <a:ext uri="{FF2B5EF4-FFF2-40B4-BE49-F238E27FC236}">
                 <a16:creationId xmlns:a16="http://schemas.microsoft.com/office/drawing/2014/main" id="{F23E3445-4A68-4D79-8A1B-7FA741CE2670}"/>
               </a:ext>
             </a:extLst>
@@ -13982,23 +14540,180 @@
               <a:t>[2  5  3  1  2  4]</a:t>
             </a:r>
           </a:p>
+        </p:txBody>
+      </p:sp>
+    </p:spTree>
+    <p:extLst>
+      <p:ext uri="{BB962C8B-B14F-4D97-AF65-F5344CB8AC3E}">
+        <p14:creationId xmlns:p14="http://schemas.microsoft.com/office/powerpoint/2010/main" val="489691558"/>
+      </p:ext>
+    </p:extLst>
+  </p:cSld>
+  <p:clrMapOvr>
+    <a:masterClrMapping/>
+  </p:clrMapOvr>
+</p:sld>
+</file>
+
+<file path=ppt/slides/slide14.xml><?xml version="1.0" encoding="utf-8"?>
+<p:sld xmlns:a="http://schemas.openxmlformats.org/drawingml/2006/main" xmlns:r="http://schemas.openxmlformats.org/officeDocument/2006/relationships" xmlns:p="http://schemas.openxmlformats.org/presentationml/2006/main">
+  <p:cSld>
+    <p:spTree>
+      <p:nvGrpSpPr>
+        <p:cNvPr id="1" name=""/>
+        <p:cNvGrpSpPr/>
+        <p:nvPr/>
+      </p:nvGrpSpPr>
+      <p:grpSpPr>
+        <a:xfrm>
+          <a:off x="0" y="0"/>
+          <a:ext cx="0" cy="0"/>
+          <a:chOff x="0" y="0"/>
+          <a:chExt cx="0" cy="0"/>
+        </a:xfrm>
+      </p:grpSpPr>
+      <p:sp>
+        <p:nvSpPr>
+          <p:cNvPr id="2" name="Título 1">
+            <a:extLst>
+              <a:ext uri="{FF2B5EF4-FFF2-40B4-BE49-F238E27FC236}">
+                <a16:creationId xmlns:a16="http://schemas.microsoft.com/office/drawing/2014/main" id="{6CA455FF-B860-4E78-A6D7-6BCD584ECAC5}"/>
+              </a:ext>
+            </a:extLst>
+          </p:cNvPr>
+          <p:cNvSpPr>
+            <a:spLocks noGrp="1"/>
+          </p:cNvSpPr>
+          <p:nvPr>
+            <p:ph type="title"/>
+          </p:nvPr>
+        </p:nvSpPr>
+        <p:spPr/>
+        <p:txBody>
+          <a:bodyPr/>
+          <a:lstStyle/>
+          <a:p>
+            <a:r>
+              <a:rPr lang="es-ES" dirty="0"/>
+              <a:t>Resultados</a:t>
+            </a:r>
+          </a:p>
+        </p:txBody>
+      </p:sp>
+      <p:sp>
+        <p:nvSpPr>
+          <p:cNvPr id="3" name="Marcador de contenido 2">
+            <a:extLst>
+              <a:ext uri="{FF2B5EF4-FFF2-40B4-BE49-F238E27FC236}">
+                <a16:creationId xmlns:a16="http://schemas.microsoft.com/office/drawing/2014/main" id="{9E663AE1-4955-4AEB-9FD5-83A02C48B084}"/>
+              </a:ext>
+            </a:extLst>
+          </p:cNvPr>
+          <p:cNvSpPr>
+            <a:spLocks noGrp="1"/>
+          </p:cNvSpPr>
+          <p:nvPr>
+            <p:ph idx="1"/>
+          </p:nvPr>
+        </p:nvSpPr>
+        <p:spPr>
+          <a:xfrm>
+            <a:off x="864382" y="2489200"/>
+            <a:ext cx="6345260" cy="4036144"/>
+          </a:xfrm>
+        </p:spPr>
+        <p:txBody>
+          <a:bodyPr/>
+          <a:lstStyle/>
+          <a:p>
+            <a:r>
+              <a:rPr lang="es-ES" dirty="0"/>
+              <a:t>6x6</a:t>
+            </a:r>
+          </a:p>
+          <a:p>
+            <a:pPr marL="0" indent="0" algn="ctr">
+              <a:buNone/>
+            </a:pPr>
+            <a:r>
+              <a:rPr lang="es-ES" dirty="0"/>
+              <a:t>[0, 1, 0, 2, 6, 0]</a:t>
+            </a:r>
+          </a:p>
+          <a:p>
+            <a:pPr marL="0" indent="0" algn="ctr">
+              <a:buNone/>
+            </a:pPr>
+            <a:r>
+              <a:rPr lang="es-ES" dirty="0"/>
+              <a:t>[1, 2, 6, 0, 3, 5]</a:t>
+            </a:r>
+          </a:p>
+          <a:p>
+            <a:pPr marL="0" indent="0" algn="ctr">
+              <a:buNone/>
+            </a:pPr>
+            <a:r>
+              <a:rPr lang="es-ES" dirty="0"/>
+              <a:t>[3, 0, 1, 5, 4, 0]</a:t>
+            </a:r>
+          </a:p>
+          <a:p>
+            <a:pPr marL="0" indent="0" algn="ctr">
+              <a:buNone/>
+            </a:pPr>
+            <a:r>
+              <a:rPr lang="es-ES" dirty="0"/>
+              <a:t>[0, 4, 2, 6, 0, 3]</a:t>
+            </a:r>
+          </a:p>
+          <a:p>
+            <a:pPr marL="0" indent="0" algn="ctr">
+              <a:buNone/>
+            </a:pPr>
+            <a:r>
+              <a:rPr lang="es-ES" dirty="0"/>
+              <a:t>[2, 6, 0, 1, 5, 4]</a:t>
+            </a:r>
+          </a:p>
+          <a:p>
+            <a:pPr marL="0" indent="0" algn="ctr">
+              <a:buNone/>
+            </a:pPr>
+            <a:r>
+              <a:rPr lang="es-ES" dirty="0"/>
+              <a:t>[0, 5, 3, 0, 2, 0]</a:t>
+            </a:r>
+          </a:p>
           <a:p>
             <a:pPr marL="0" indent="0">
               <a:buNone/>
             </a:pPr>
             <a:r>
               <a:rPr lang="es-ES" dirty="0"/>
-              <a:t>	Resultados:</a:t>
-            </a:r>
+              <a:t>Resultados:</a:t>
+            </a:r>
+          </a:p>
+          <a:p>
+            <a:pPr marL="0" indent="0">
+              <a:buNone/>
+            </a:pPr>
+            <a:endParaRPr lang="es-ES" dirty="0"/>
+          </a:p>
+          <a:p>
+            <a:pPr marL="0" indent="0">
+              <a:buNone/>
+            </a:pPr>
+            <a:endParaRPr lang="es-ES" dirty="0"/>
           </a:p>
         </p:txBody>
       </p:sp>
       <p:pic>
         <p:nvPicPr>
-          <p:cNvPr id="1026" name="Picture 2">
+          <p:cNvPr id="4" name="Picture 2">
             <a:extLst>
               <a:ext uri="{FF2B5EF4-FFF2-40B4-BE49-F238E27FC236}">
-                <a16:creationId xmlns:a16="http://schemas.microsoft.com/office/drawing/2014/main" id="{79E7FE1A-28F6-4408-8207-DD4BD3C2EA3E}"/>
+                <a16:creationId xmlns:a16="http://schemas.microsoft.com/office/drawing/2014/main" id="{6290508B-85E9-48CD-A9B1-0731CE976536}"/>
               </a:ext>
             </a:extLst>
           </p:cNvPr>
@@ -14022,7 +14737,7 @@
         </p:blipFill>
         <p:spPr bwMode="auto">
           <a:xfrm>
-            <a:off x="1725942" y="5697870"/>
+            <a:off x="1835696" y="5930902"/>
             <a:ext cx="5692116" cy="233032"/>
           </a:xfrm>
           <a:prstGeom prst="rect">
@@ -14056,7 +14771,7 @@
     </p:spTree>
     <p:extLst>
       <p:ext uri="{BB962C8B-B14F-4D97-AF65-F5344CB8AC3E}">
-        <p14:creationId xmlns:p14="http://schemas.microsoft.com/office/powerpoint/2010/main" val="489691558"/>
+        <p14:creationId xmlns:p14="http://schemas.microsoft.com/office/powerpoint/2010/main" val="2766159837"/>
       </p:ext>
     </p:extLst>
   </p:cSld>
@@ -14066,7 +14781,7 @@
 </p:sld>
 </file>
 
-<file path=ppt/slides/slide11.xml><?xml version="1.0" encoding="utf-8"?>
+<file path=ppt/slides/slide15.xml><?xml version="1.0" encoding="utf-8"?>
 <p:sld xmlns:a="http://schemas.openxmlformats.org/drawingml/2006/main" xmlns:r="http://schemas.openxmlformats.org/officeDocument/2006/relationships" xmlns:p="http://schemas.openxmlformats.org/presentationml/2006/main">
   <p:cSld>
     <p:spTree>
@@ -14225,23 +14940,213 @@
               <a:t>[7  1  5  7  9  8  1  3  3]</a:t>
             </a:r>
           </a:p>
+        </p:txBody>
+      </p:sp>
+    </p:spTree>
+    <p:extLst>
+      <p:ext uri="{BB962C8B-B14F-4D97-AF65-F5344CB8AC3E}">
+        <p14:creationId xmlns:p14="http://schemas.microsoft.com/office/powerpoint/2010/main" val="751433622"/>
+      </p:ext>
+    </p:extLst>
+  </p:cSld>
+  <p:clrMapOvr>
+    <a:masterClrMapping/>
+  </p:clrMapOvr>
+</p:sld>
+</file>
+
+<file path=ppt/slides/slide16.xml><?xml version="1.0" encoding="utf-8"?>
+<p:sld xmlns:a="http://schemas.openxmlformats.org/drawingml/2006/main" xmlns:r="http://schemas.openxmlformats.org/officeDocument/2006/relationships" xmlns:p="http://schemas.openxmlformats.org/presentationml/2006/main">
+  <p:cSld>
+    <p:spTree>
+      <p:nvGrpSpPr>
+        <p:cNvPr id="1" name=""/>
+        <p:cNvGrpSpPr/>
+        <p:nvPr/>
+      </p:nvGrpSpPr>
+      <p:grpSpPr>
+        <a:xfrm>
+          <a:off x="0" y="0"/>
+          <a:ext cx="0" cy="0"/>
+          <a:chOff x="0" y="0"/>
+          <a:chExt cx="0" cy="0"/>
+        </a:xfrm>
+      </p:grpSpPr>
+      <p:sp>
+        <p:nvSpPr>
+          <p:cNvPr id="2" name="Título 1">
+            <a:extLst>
+              <a:ext uri="{FF2B5EF4-FFF2-40B4-BE49-F238E27FC236}">
+                <a16:creationId xmlns:a16="http://schemas.microsoft.com/office/drawing/2014/main" id="{33FC98C0-4B44-41F0-83AE-BAE4E61DB2BD}"/>
+              </a:ext>
+            </a:extLst>
+          </p:cNvPr>
+          <p:cNvSpPr>
+            <a:spLocks noGrp="1"/>
+          </p:cNvSpPr>
+          <p:nvPr>
+            <p:ph type="title"/>
+          </p:nvPr>
+        </p:nvSpPr>
+        <p:spPr/>
+        <p:txBody>
+          <a:bodyPr/>
+          <a:lstStyle/>
+          <a:p>
+            <a:r>
+              <a:rPr lang="es-ES" dirty="0"/>
+              <a:t>Resultados</a:t>
+            </a:r>
+          </a:p>
+        </p:txBody>
+      </p:sp>
+      <p:sp>
+        <p:nvSpPr>
+          <p:cNvPr id="3" name="Marcador de contenido 2">
+            <a:extLst>
+              <a:ext uri="{FF2B5EF4-FFF2-40B4-BE49-F238E27FC236}">
+                <a16:creationId xmlns:a16="http://schemas.microsoft.com/office/drawing/2014/main" id="{DF1519DC-2773-475D-9FA4-ECD3508C5478}"/>
+              </a:ext>
+            </a:extLst>
+          </p:cNvPr>
+          <p:cNvSpPr>
+            <a:spLocks noGrp="1"/>
+          </p:cNvSpPr>
+          <p:nvPr>
+            <p:ph idx="1"/>
+          </p:nvPr>
+        </p:nvSpPr>
+        <p:spPr>
+          <a:xfrm>
+            <a:off x="889091" y="2067993"/>
+            <a:ext cx="6345260" cy="4392488"/>
+          </a:xfrm>
+        </p:spPr>
+        <p:txBody>
+          <a:bodyPr>
+            <a:normAutofit/>
+          </a:bodyPr>
+          <a:lstStyle/>
+          <a:p>
+            <a:r>
+              <a:rPr lang="es-ES" dirty="0"/>
+              <a:t>9x9</a:t>
+            </a:r>
+          </a:p>
+          <a:p>
+            <a:pPr marL="0" indent="0" algn="ctr">
+              <a:buNone/>
+            </a:pPr>
+            <a:r>
+              <a:rPr lang="es-ES" sz="1400" dirty="0"/>
+              <a:t>[0, 7, 0, 6, 0, 2, 1, 4, 0]</a:t>
+            </a:r>
+          </a:p>
+          <a:p>
+            <a:pPr marL="0" indent="0" algn="ctr">
+              <a:buNone/>
+            </a:pPr>
+            <a:r>
+              <a:rPr lang="es-ES" sz="1400" dirty="0"/>
+              <a:t>[1, 4, 9, 3, 8, 0, 5, 0, 2]</a:t>
+            </a:r>
+          </a:p>
+          <a:p>
+            <a:pPr marL="0" indent="0" algn="ctr">
+              <a:buNone/>
+            </a:pPr>
+            <a:r>
+              <a:rPr lang="es-ES" sz="1400" dirty="0"/>
+              <a:t>[2, 0, 1, 0, 6, 7, 3, 9, 8]</a:t>
+            </a:r>
+          </a:p>
+          <a:p>
+            <a:pPr marL="0" indent="0" algn="ctr">
+              <a:buNone/>
+            </a:pPr>
+            <a:r>
+              <a:rPr lang="es-ES" sz="1400" dirty="0"/>
+              <a:t>[0, 8, 7, 4, 0, 5, 9, 0, 1]</a:t>
+            </a:r>
+          </a:p>
+          <a:p>
+            <a:pPr marL="0" indent="0" algn="ctr">
+              <a:buNone/>
+            </a:pPr>
+            <a:r>
+              <a:rPr lang="es-ES" sz="1400" dirty="0"/>
+              <a:t>[4, 6, 0, 8, 7, 9, 0, 5, 3]</a:t>
+            </a:r>
+          </a:p>
+          <a:p>
+            <a:pPr marL="0" indent="0" algn="ctr">
+              <a:buNone/>
+            </a:pPr>
+            <a:r>
+              <a:rPr lang="es-ES" sz="1400" dirty="0"/>
+              <a:t>[6, 0, 5, 0, 2, 3, 4, 0, 9]</a:t>
+            </a:r>
+          </a:p>
+          <a:p>
+            <a:pPr marL="0" indent="0" algn="ctr">
+              <a:buNone/>
+            </a:pPr>
+            <a:r>
+              <a:rPr lang="es-ES" sz="1400" dirty="0"/>
+              <a:t>[0, 3, 4, 9, 1, 0, 7, 2, 0]</a:t>
+            </a:r>
+          </a:p>
+          <a:p>
+            <a:pPr marL="0" indent="0" algn="ctr">
+              <a:buNone/>
+            </a:pPr>
+            <a:r>
+              <a:rPr lang="es-ES" sz="1400" dirty="0"/>
+              <a:t>[9, 2, 3, 0, 4, 1, 6, 8, 5]</a:t>
+            </a:r>
+          </a:p>
+          <a:p>
+            <a:pPr marL="0" indent="0" algn="ctr">
+              <a:buNone/>
+            </a:pPr>
+            <a:r>
+              <a:rPr lang="es-ES" sz="1400" dirty="0"/>
+              <a:t>[0, 1, 0, 7, 9, 8, 0, 3, 0]</a:t>
+            </a:r>
+          </a:p>
           <a:p>
             <a:pPr marL="0" indent="0">
               <a:buNone/>
             </a:pPr>
             <a:r>
+              <a:rPr lang="es-ES" sz="1100" dirty="0"/>
+              <a:t>	</a:t>
+            </a:r>
+            <a:r>
               <a:rPr lang="es-ES" sz="1400" dirty="0"/>
-              <a:t>	Resultado:</a:t>
-            </a:r>
+              <a:t>Resultados:</a:t>
+            </a:r>
+          </a:p>
+          <a:p>
+            <a:pPr marL="0" indent="0" algn="ctr">
+              <a:buNone/>
+            </a:pPr>
+            <a:endParaRPr lang="es-ES" sz="1400" dirty="0"/>
+          </a:p>
+          <a:p>
+            <a:pPr marL="0" indent="0" algn="ctr">
+              <a:buNone/>
+            </a:pPr>
+            <a:endParaRPr lang="es-ES" sz="1400" dirty="0"/>
           </a:p>
         </p:txBody>
       </p:sp>
       <p:pic>
         <p:nvPicPr>
-          <p:cNvPr id="2050" name="Picture 2">
+          <p:cNvPr id="4" name="Picture 2">
             <a:extLst>
               <a:ext uri="{FF2B5EF4-FFF2-40B4-BE49-F238E27FC236}">
-                <a16:creationId xmlns:a16="http://schemas.microsoft.com/office/drawing/2014/main" id="{D53864D6-E1CC-475D-AA16-4C4CBFE04B27}"/>
+                <a16:creationId xmlns:a16="http://schemas.microsoft.com/office/drawing/2014/main" id="{1847B872-3B65-4389-B2AC-68DF1F44150E}"/>
               </a:ext>
             </a:extLst>
           </p:cNvPr>
@@ -14265,7 +15170,7 @@
         </p:blipFill>
         <p:spPr bwMode="auto">
           <a:xfrm>
-            <a:off x="1954249" y="5930902"/>
+            <a:off x="1934358" y="6165304"/>
             <a:ext cx="5235501" cy="295177"/>
           </a:xfrm>
           <a:prstGeom prst="rect">
@@ -14299,7 +15204,7 @@
     </p:spTree>
     <p:extLst>
       <p:ext uri="{BB962C8B-B14F-4D97-AF65-F5344CB8AC3E}">
-        <p14:creationId xmlns:p14="http://schemas.microsoft.com/office/powerpoint/2010/main" val="751433622"/>
+        <p14:creationId xmlns:p14="http://schemas.microsoft.com/office/powerpoint/2010/main" val="582175466"/>
       </p:ext>
     </p:extLst>
   </p:cSld>
@@ -14481,13 +15386,49 @@
           <a:p>
             <a:r>
               <a:rPr lang="es-ES" dirty="0"/>
-              <a:t>En primer lugar analizamos el juego para buscar el tipo de problema con el que poder resolverlo. Así que decidimos usar espacios de estados, ya que la solución corresponde a encontrar un camino desde el estado inicial hasta el objetivo.</a:t>
-            </a:r>
-          </a:p>
-          <a:p>
+              <a:t>Modelamos el </a:t>
+            </a:r>
+            <a:r>
+              <a:rPr lang="es-ES" dirty="0" err="1"/>
+              <a:t>Hitori</a:t>
+            </a:r>
             <a:r>
               <a:rPr lang="es-ES" dirty="0"/>
-              <a:t>En segundo lugar, decidimos buscar todo los tipos de restricciones contenidas en el juego, para ello nos apoyamos en la página web facilitada.</a:t>
+              <a:t> como un problema de espacios de estados, utilizando algoritmos de búsqueda como:</a:t>
+            </a:r>
+          </a:p>
+          <a:p>
+            <a:pPr lvl="1"/>
+            <a:r>
+              <a:rPr lang="es-ES" dirty="0"/>
+              <a:t>Búsqueda en profundidad.</a:t>
+            </a:r>
+          </a:p>
+          <a:p>
+            <a:pPr lvl="1"/>
+            <a:r>
+              <a:rPr lang="es-ES" dirty="0"/>
+              <a:t>Búsqueda en anchura.</a:t>
+            </a:r>
+          </a:p>
+          <a:p>
+            <a:pPr lvl="1"/>
+            <a:r>
+              <a:rPr lang="es-ES" dirty="0"/>
+              <a:t>Búsqueda óptima.</a:t>
+            </a:r>
+          </a:p>
+          <a:p>
+            <a:pPr lvl="1"/>
+            <a:r>
+              <a:rPr lang="es-ES" dirty="0"/>
+              <a:t>Búsqueda A estrella.</a:t>
+            </a:r>
+          </a:p>
+          <a:p>
+            <a:r>
+              <a:rPr lang="es-ES" dirty="0"/>
+              <a:t>A continuación, decidimos buscar todo los tipos de restricciones contenidas en el juego, para ello nos apoyamos en la página web facilitada.</a:t>
             </a:r>
           </a:p>
           <a:p>
@@ -14919,6 +15860,104 @@
               <a:rPr lang="es-ES" sz="2000" dirty="0"/>
               <a:t>[3  1  2]</a:t>
             </a:r>
+            <a:endParaRPr lang="es-ES" dirty="0"/>
+          </a:p>
+          <a:p>
+            <a:pPr marL="0" indent="0">
+              <a:buNone/>
+            </a:pPr>
+            <a:endParaRPr lang="es-ES" dirty="0"/>
+          </a:p>
+        </p:txBody>
+      </p:sp>
+    </p:spTree>
+    <p:extLst>
+      <p:ext uri="{BB962C8B-B14F-4D97-AF65-F5344CB8AC3E}">
+        <p14:creationId xmlns:p14="http://schemas.microsoft.com/office/powerpoint/2010/main" val="2560826540"/>
+      </p:ext>
+    </p:extLst>
+  </p:cSld>
+  <p:clrMapOvr>
+    <a:masterClrMapping/>
+  </p:clrMapOvr>
+</p:sld>
+</file>
+
+<file path=ppt/slides/slide8.xml><?xml version="1.0" encoding="utf-8"?>
+<p:sld xmlns:a="http://schemas.openxmlformats.org/drawingml/2006/main" xmlns:r="http://schemas.openxmlformats.org/officeDocument/2006/relationships" xmlns:p="http://schemas.openxmlformats.org/presentationml/2006/main">
+  <p:cSld>
+    <p:spTree>
+      <p:nvGrpSpPr>
+        <p:cNvPr id="1" name=""/>
+        <p:cNvGrpSpPr/>
+        <p:nvPr/>
+      </p:nvGrpSpPr>
+      <p:grpSpPr>
+        <a:xfrm>
+          <a:off x="0" y="0"/>
+          <a:ext cx="0" cy="0"/>
+          <a:chOff x="0" y="0"/>
+          <a:chExt cx="0" cy="0"/>
+        </a:xfrm>
+      </p:grpSpPr>
+      <p:sp>
+        <p:nvSpPr>
+          <p:cNvPr id="2" name="Título 1">
+            <a:extLst>
+              <a:ext uri="{FF2B5EF4-FFF2-40B4-BE49-F238E27FC236}">
+                <a16:creationId xmlns:a16="http://schemas.microsoft.com/office/drawing/2014/main" id="{137C9CA6-E1C1-45D8-B6EF-106EBE6191D0}"/>
+              </a:ext>
+            </a:extLst>
+          </p:cNvPr>
+          <p:cNvSpPr>
+            <a:spLocks noGrp="1"/>
+          </p:cNvSpPr>
+          <p:nvPr>
+            <p:ph type="title"/>
+          </p:nvPr>
+        </p:nvSpPr>
+        <p:spPr/>
+        <p:txBody>
+          <a:bodyPr/>
+          <a:lstStyle/>
+          <a:p>
+            <a:r>
+              <a:rPr lang="es-ES" dirty="0"/>
+              <a:t>Resultados</a:t>
+            </a:r>
+          </a:p>
+        </p:txBody>
+      </p:sp>
+      <p:sp>
+        <p:nvSpPr>
+          <p:cNvPr id="3" name="Marcador de contenido 2">
+            <a:extLst>
+              <a:ext uri="{FF2B5EF4-FFF2-40B4-BE49-F238E27FC236}">
+                <a16:creationId xmlns:a16="http://schemas.microsoft.com/office/drawing/2014/main" id="{238E02F4-5014-41D1-B683-F613B3B650EA}"/>
+              </a:ext>
+            </a:extLst>
+          </p:cNvPr>
+          <p:cNvSpPr>
+            <a:spLocks noGrp="1"/>
+          </p:cNvSpPr>
+          <p:nvPr>
+            <p:ph idx="1"/>
+          </p:nvPr>
+        </p:nvSpPr>
+        <p:spPr>
+          <a:xfrm>
+            <a:off x="864382" y="2489200"/>
+            <a:ext cx="6345260" cy="3530600"/>
+          </a:xfrm>
+        </p:spPr>
+        <p:txBody>
+          <a:bodyPr/>
+          <a:lstStyle/>
+          <a:p>
+            <a:r>
+              <a:rPr lang="es-ES" dirty="0"/>
+              <a:t>3x3</a:t>
+            </a:r>
           </a:p>
           <a:p>
             <a:pPr marL="0" indent="0">
@@ -14930,19 +15969,61 @@
             </a:r>
           </a:p>
           <a:p>
+            <a:pPr marL="0" indent="0" algn="ctr">
+              <a:buNone/>
+            </a:pPr>
+            <a:r>
+              <a:rPr lang="es-ES" sz="2000" dirty="0"/>
+              <a:t>[1, 2, 0]</a:t>
+            </a:r>
+          </a:p>
+          <a:p>
+            <a:pPr marL="0" indent="0" algn="ctr">
+              <a:buNone/>
+            </a:pPr>
+            <a:r>
+              <a:rPr lang="es-ES" sz="2000" dirty="0"/>
+              <a:t>[2, 0, 1]</a:t>
+            </a:r>
+          </a:p>
+          <a:p>
+            <a:pPr marL="0" indent="0" algn="ctr">
+              <a:buNone/>
+            </a:pPr>
+            <a:r>
+              <a:rPr lang="es-ES" sz="2000" dirty="0"/>
+              <a:t>[3, 1, 2]</a:t>
+            </a:r>
+          </a:p>
+          <a:p>
+            <a:pPr marL="0" indent="0" algn="ctr">
+              <a:buNone/>
+            </a:pPr>
+            <a:endParaRPr lang="es-ES" sz="2000" dirty="0"/>
+          </a:p>
+          <a:p>
             <a:pPr marL="0" indent="0">
               <a:buNone/>
             </a:pPr>
+            <a:endParaRPr lang="es-ES" dirty="0"/>
+          </a:p>
+          <a:p>
+            <a:endParaRPr lang="es-ES" dirty="0"/>
+          </a:p>
+          <a:p>
+            <a:endParaRPr lang="es-ES" dirty="0"/>
+          </a:p>
+          <a:p>
             <a:endParaRPr lang="es-ES" dirty="0"/>
           </a:p>
         </p:txBody>
       </p:sp>
       <p:pic>
         <p:nvPicPr>
-          <p:cNvPr id="5122" name="Picture 2">
+          <p:cNvPr id="8" name="Picture 2">
             <a:extLst>
               <a:ext uri="{FF2B5EF4-FFF2-40B4-BE49-F238E27FC236}">
-                <a16:creationId xmlns:a16="http://schemas.microsoft.com/office/drawing/2014/main" id="{291E65BD-4592-4F12-AF62-AB7674376907}"/>
+                <a16:creationId xmlns:a16="http://schemas.microsoft.com/office/drawing/2014/main" id="{57B5BEA5-066B-402D-B888-FCD5246D9F33}"/>
               </a:ext>
             </a:extLst>
           </p:cNvPr>
@@ -15000,7 +16081,7 @@
     </p:spTree>
     <p:extLst>
       <p:ext uri="{BB962C8B-B14F-4D97-AF65-F5344CB8AC3E}">
-        <p14:creationId xmlns:p14="http://schemas.microsoft.com/office/powerpoint/2010/main" val="2560826540"/>
+        <p14:creationId xmlns:p14="http://schemas.microsoft.com/office/powerpoint/2010/main" val="293294529"/>
       </p:ext>
     </p:extLst>
   </p:cSld>
@@ -15010,7 +16091,7 @@
 </p:sld>
 </file>
 
-<file path=ppt/slides/slide8.xml><?xml version="1.0" encoding="utf-8"?>
+<file path=ppt/slides/slide9.xml><?xml version="1.0" encoding="utf-8"?>
 <p:sld xmlns:a="http://schemas.openxmlformats.org/drawingml/2006/main" xmlns:r="http://schemas.openxmlformats.org/officeDocument/2006/relationships" xmlns:p="http://schemas.openxmlformats.org/presentationml/2006/main">
   <p:cSld>
     <p:spTree>
@@ -15123,15 +16204,7 @@
               <a:rPr lang="es-ES" sz="2000" dirty="0"/>
               <a:t>[1  4  2  1]</a:t>
             </a:r>
-          </a:p>
-          <a:p>
-            <a:pPr marL="0" indent="0">
-              <a:buNone/>
-            </a:pPr>
-            <a:r>
-              <a:rPr lang="es-ES" dirty="0"/>
-              <a:t>	Resultados:</a:t>
-            </a:r>
+            <a:endParaRPr lang="es-ES" dirty="0"/>
           </a:p>
           <a:p>
             <a:pPr marL="0" indent="0">
@@ -15144,277 +16217,10 @@
           </a:p>
         </p:txBody>
       </p:sp>
-      <p:pic>
-        <p:nvPicPr>
-          <p:cNvPr id="4098" name="Picture 2">
-            <a:extLst>
-              <a:ext uri="{FF2B5EF4-FFF2-40B4-BE49-F238E27FC236}">
-                <a16:creationId xmlns:a16="http://schemas.microsoft.com/office/drawing/2014/main" id="{2EB4F0D8-6CC0-4464-A72E-22311F40505E}"/>
-              </a:ext>
-            </a:extLst>
-          </p:cNvPr>
-          <p:cNvPicPr>
-            <a:picLocks noChangeAspect="1" noChangeArrowheads="1"/>
-          </p:cNvPicPr>
-          <p:nvPr/>
-        </p:nvPicPr>
-        <p:blipFill>
-          <a:blip r:embed="rId2">
-            <a:extLst>
-              <a:ext uri="{28A0092B-C50C-407E-A947-70E740481C1C}">
-                <a14:useLocalDpi xmlns:a14="http://schemas.microsoft.com/office/drawing/2010/main" val="0"/>
-              </a:ext>
-            </a:extLst>
-          </a:blip>
-          <a:srcRect/>
-          <a:stretch>
-            <a:fillRect/>
-          </a:stretch>
-        </p:blipFill>
-        <p:spPr bwMode="auto">
-          <a:xfrm>
-            <a:off x="1378983" y="5229200"/>
-            <a:ext cx="5316057" cy="303248"/>
-          </a:xfrm>
-          <a:prstGeom prst="rect">
-            <a:avLst/>
-          </a:prstGeom>
-          <a:noFill/>
-          <a:ln>
-            <a:noFill/>
-          </a:ln>
-          <a:extLst>
-            <a:ext uri="{909E8E84-426E-40DD-AFC4-6F175D3DCCD1}">
-              <a14:hiddenFill xmlns:a14="http://schemas.microsoft.com/office/drawing/2010/main">
-                <a:solidFill>
-                  <a:srgbClr val="FFFFFF"/>
-                </a:solidFill>
-              </a14:hiddenFill>
-            </a:ext>
-            <a:ext uri="{91240B29-F687-4F45-9708-019B960494DF}">
-              <a14:hiddenLine xmlns:a14="http://schemas.microsoft.com/office/drawing/2010/main" w="9525">
-                <a:solidFill>
-                  <a:srgbClr val="000000"/>
-                </a:solidFill>
-                <a:miter lim="800000"/>
-                <a:headEnd/>
-                <a:tailEnd/>
-              </a14:hiddenLine>
-            </a:ext>
-          </a:extLst>
-        </p:spPr>
-      </p:pic>
     </p:spTree>
     <p:extLst>
       <p:ext uri="{BB962C8B-B14F-4D97-AF65-F5344CB8AC3E}">
         <p14:creationId xmlns:p14="http://schemas.microsoft.com/office/powerpoint/2010/main" val="347524679"/>
-      </p:ext>
-    </p:extLst>
-  </p:cSld>
-  <p:clrMapOvr>
-    <a:masterClrMapping/>
-  </p:clrMapOvr>
-</p:sld>
-</file>
-
-<file path=ppt/slides/slide9.xml><?xml version="1.0" encoding="utf-8"?>
-<p:sld xmlns:a="http://schemas.openxmlformats.org/drawingml/2006/main" xmlns:r="http://schemas.openxmlformats.org/officeDocument/2006/relationships" xmlns:p="http://schemas.openxmlformats.org/presentationml/2006/main">
-  <p:cSld>
-    <p:spTree>
-      <p:nvGrpSpPr>
-        <p:cNvPr id="1" name=""/>
-        <p:cNvGrpSpPr/>
-        <p:nvPr/>
-      </p:nvGrpSpPr>
-      <p:grpSpPr>
-        <a:xfrm>
-          <a:off x="0" y="0"/>
-          <a:ext cx="0" cy="0"/>
-          <a:chOff x="0" y="0"/>
-          <a:chExt cx="0" cy="0"/>
-        </a:xfrm>
-      </p:grpSpPr>
-      <p:sp>
-        <p:nvSpPr>
-          <p:cNvPr id="2" name="Título 1">
-            <a:extLst>
-              <a:ext uri="{FF2B5EF4-FFF2-40B4-BE49-F238E27FC236}">
-                <a16:creationId xmlns:a16="http://schemas.microsoft.com/office/drawing/2014/main" id="{1C580515-6998-4FDB-9F06-8468ADBF129A}"/>
-              </a:ext>
-            </a:extLst>
-          </p:cNvPr>
-          <p:cNvSpPr>
-            <a:spLocks noGrp="1"/>
-          </p:cNvSpPr>
-          <p:nvPr>
-            <p:ph type="title"/>
-          </p:nvPr>
-        </p:nvSpPr>
-        <p:spPr/>
-        <p:txBody>
-          <a:bodyPr/>
-          <a:lstStyle/>
-          <a:p>
-            <a:r>
-              <a:rPr lang="es-ES" dirty="0"/>
-              <a:t>Resultados</a:t>
-            </a:r>
-          </a:p>
-        </p:txBody>
-      </p:sp>
-      <p:sp>
-        <p:nvSpPr>
-          <p:cNvPr id="3" name="Marcador de contenido 2">
-            <a:extLst>
-              <a:ext uri="{FF2B5EF4-FFF2-40B4-BE49-F238E27FC236}">
-                <a16:creationId xmlns:a16="http://schemas.microsoft.com/office/drawing/2014/main" id="{D60C49AF-8E44-46B2-8DB1-0CDDB91D72ED}"/>
-              </a:ext>
-            </a:extLst>
-          </p:cNvPr>
-          <p:cNvSpPr>
-            <a:spLocks noGrp="1"/>
-          </p:cNvSpPr>
-          <p:nvPr>
-            <p:ph idx="1"/>
-          </p:nvPr>
-        </p:nvSpPr>
-        <p:spPr>
-          <a:xfrm>
-            <a:off x="864382" y="2489200"/>
-            <a:ext cx="6345260" cy="4180160"/>
-          </a:xfrm>
-        </p:spPr>
-        <p:txBody>
-          <a:bodyPr>
-            <a:normAutofit/>
-          </a:bodyPr>
-          <a:lstStyle/>
-          <a:p>
-            <a:r>
-              <a:rPr lang="es-ES" dirty="0"/>
-              <a:t>5x5</a:t>
-            </a:r>
-          </a:p>
-          <a:p>
-            <a:pPr marL="0" indent="0" algn="ctr">
-              <a:buNone/>
-            </a:pPr>
-            <a:r>
-              <a:rPr lang="es-ES" sz="2000" dirty="0"/>
-              <a:t>[3  3  2  5  1]</a:t>
-            </a:r>
-          </a:p>
-          <a:p>
-            <a:pPr marL="0" indent="0" algn="ctr">
-              <a:buNone/>
-            </a:pPr>
-            <a:r>
-              <a:rPr lang="es-ES" sz="2000" dirty="0"/>
-              <a:t>[1  5  2  5  3]</a:t>
-            </a:r>
-          </a:p>
-          <a:p>
-            <a:pPr marL="0" indent="0" algn="ctr">
-              <a:buNone/>
-            </a:pPr>
-            <a:r>
-              <a:rPr lang="es-ES" sz="2000" dirty="0"/>
-              <a:t>[2  4  3  1  2]</a:t>
-            </a:r>
-          </a:p>
-          <a:p>
-            <a:pPr marL="0" indent="0" algn="ctr">
-              <a:buNone/>
-            </a:pPr>
-            <a:r>
-              <a:rPr lang="es-ES" sz="2000" dirty="0"/>
-              <a:t>[4  2  4  3  2]</a:t>
-            </a:r>
-          </a:p>
-          <a:p>
-            <a:pPr marL="0" indent="0" algn="ctr">
-              <a:buNone/>
-            </a:pPr>
-            <a:r>
-              <a:rPr lang="es-ES" sz="2000" dirty="0"/>
-              <a:t>[2  1  4  2  5]</a:t>
-            </a:r>
-          </a:p>
-          <a:p>
-            <a:pPr marL="0" indent="0">
-              <a:buNone/>
-            </a:pPr>
-            <a:r>
-              <a:rPr lang="es-ES" dirty="0"/>
-              <a:t>	Resultados:</a:t>
-            </a:r>
-          </a:p>
-        </p:txBody>
-      </p:sp>
-      <p:pic>
-        <p:nvPicPr>
-          <p:cNvPr id="3074" name="Picture 2">
-            <a:extLst>
-              <a:ext uri="{FF2B5EF4-FFF2-40B4-BE49-F238E27FC236}">
-                <a16:creationId xmlns:a16="http://schemas.microsoft.com/office/drawing/2014/main" id="{6E740E35-02FD-4F8C-AF95-E6C3216FD989}"/>
-              </a:ext>
-            </a:extLst>
-          </p:cNvPr>
-          <p:cNvPicPr>
-            <a:picLocks noChangeAspect="1" noChangeArrowheads="1"/>
-          </p:cNvPicPr>
-          <p:nvPr/>
-        </p:nvPicPr>
-        <p:blipFill>
-          <a:blip r:embed="rId2">
-            <a:extLst>
-              <a:ext uri="{28A0092B-C50C-407E-A947-70E740481C1C}">
-                <a14:useLocalDpi xmlns:a14="http://schemas.microsoft.com/office/drawing/2010/main" val="0"/>
-              </a:ext>
-            </a:extLst>
-          </a:blip>
-          <a:srcRect/>
-          <a:stretch>
-            <a:fillRect/>
-          </a:stretch>
-        </p:blipFill>
-        <p:spPr bwMode="auto">
-          <a:xfrm>
-            <a:off x="1732206" y="5661248"/>
-            <a:ext cx="5679587" cy="269654"/>
-          </a:xfrm>
-          <a:prstGeom prst="rect">
-            <a:avLst/>
-          </a:prstGeom>
-          <a:noFill/>
-          <a:ln>
-            <a:noFill/>
-          </a:ln>
-          <a:extLst>
-            <a:ext uri="{909E8E84-426E-40DD-AFC4-6F175D3DCCD1}">
-              <a14:hiddenFill xmlns:a14="http://schemas.microsoft.com/office/drawing/2010/main">
-                <a:solidFill>
-                  <a:srgbClr val="FFFFFF"/>
-                </a:solidFill>
-              </a14:hiddenFill>
-            </a:ext>
-            <a:ext uri="{91240B29-F687-4F45-9708-019B960494DF}">
-              <a14:hiddenLine xmlns:a14="http://schemas.microsoft.com/office/drawing/2010/main" w="9525">
-                <a:solidFill>
-                  <a:srgbClr val="000000"/>
-                </a:solidFill>
-                <a:miter lim="800000"/>
-                <a:headEnd/>
-                <a:tailEnd/>
-              </a14:hiddenLine>
-            </a:ext>
-          </a:extLst>
-        </p:spPr>
-      </p:pic>
-    </p:spTree>
-    <p:extLst>
-      <p:ext uri="{BB962C8B-B14F-4D97-AF65-F5344CB8AC3E}">
-        <p14:creationId xmlns:p14="http://schemas.microsoft.com/office/powerpoint/2010/main" val="824861549"/>
       </p:ext>
     </p:extLst>
   </p:cSld>
